--- a/backEnd/docs/App-Views.pptx
+++ b/backEnd/docs/App-Views.pptx
@@ -109,6 +109,11 @@
       </a:defRPr>
     </a:lvl9pPr>
   </p:defaultTextStyle>
+  <p:extLst>
+    <p:ext uri="{EFAFB233-063F-42B5-8137-9DF3F51BA10A}">
+      <p15:sldGuideLst xmlns:p15="http://schemas.microsoft.com/office/powerpoint/2012/main"/>
+    </p:ext>
+  </p:extLst>
 </p:presentation>
 </file>
 
@@ -194,7 +199,7 @@
           <a:p>
             <a:fld id="{F17A1CDF-CC67-2345-AE47-45F282C77CE1}" type="datetimeFigureOut">
               <a:rPr lang="en-US" smtClean="0"/>
-              <a:t>10/30/21</a:t>
+              <a:t>11/7/21</a:t>
             </a:fld>
             <a:endParaRPr lang="en-US"/>
           </a:p>
@@ -844,7 +849,7 @@
           <a:p>
             <a:fld id="{934B5DE2-A312-824F-BA15-E363E7F875D2}" type="datetimeFigureOut">
               <a:rPr lang="en-US" smtClean="0"/>
-              <a:t>10/30/21</a:t>
+              <a:t>11/7/21</a:t>
             </a:fld>
             <a:endParaRPr lang="en-US"/>
           </a:p>
@@ -1014,7 +1019,7 @@
           <a:p>
             <a:fld id="{934B5DE2-A312-824F-BA15-E363E7F875D2}" type="datetimeFigureOut">
               <a:rPr lang="en-US" smtClean="0"/>
-              <a:t>10/30/21</a:t>
+              <a:t>11/7/21</a:t>
             </a:fld>
             <a:endParaRPr lang="en-US"/>
           </a:p>
@@ -1194,7 +1199,7 @@
           <a:p>
             <a:fld id="{934B5DE2-A312-824F-BA15-E363E7F875D2}" type="datetimeFigureOut">
               <a:rPr lang="en-US" smtClean="0"/>
-              <a:t>10/30/21</a:t>
+              <a:t>11/7/21</a:t>
             </a:fld>
             <a:endParaRPr lang="en-US"/>
           </a:p>
@@ -1364,7 +1369,7 @@
           <a:p>
             <a:fld id="{934B5DE2-A312-824F-BA15-E363E7F875D2}" type="datetimeFigureOut">
               <a:rPr lang="en-US" smtClean="0"/>
-              <a:t>10/30/21</a:t>
+              <a:t>11/7/21</a:t>
             </a:fld>
             <a:endParaRPr lang="en-US"/>
           </a:p>
@@ -1608,7 +1613,7 @@
           <a:p>
             <a:fld id="{934B5DE2-A312-824F-BA15-E363E7F875D2}" type="datetimeFigureOut">
               <a:rPr lang="en-US" smtClean="0"/>
-              <a:t>10/30/21</a:t>
+              <a:t>11/7/21</a:t>
             </a:fld>
             <a:endParaRPr lang="en-US"/>
           </a:p>
@@ -1840,7 +1845,7 @@
           <a:p>
             <a:fld id="{934B5DE2-A312-824F-BA15-E363E7F875D2}" type="datetimeFigureOut">
               <a:rPr lang="en-US" smtClean="0"/>
-              <a:t>10/30/21</a:t>
+              <a:t>11/7/21</a:t>
             </a:fld>
             <a:endParaRPr lang="en-US"/>
           </a:p>
@@ -2207,7 +2212,7 @@
           <a:p>
             <a:fld id="{934B5DE2-A312-824F-BA15-E363E7F875D2}" type="datetimeFigureOut">
               <a:rPr lang="en-US" smtClean="0"/>
-              <a:t>10/30/21</a:t>
+              <a:t>11/7/21</a:t>
             </a:fld>
             <a:endParaRPr lang="en-US"/>
           </a:p>
@@ -2325,7 +2330,7 @@
           <a:p>
             <a:fld id="{934B5DE2-A312-824F-BA15-E363E7F875D2}" type="datetimeFigureOut">
               <a:rPr lang="en-US" smtClean="0"/>
-              <a:t>10/30/21</a:t>
+              <a:t>11/7/21</a:t>
             </a:fld>
             <a:endParaRPr lang="en-US"/>
           </a:p>
@@ -2420,7 +2425,7 @@
           <a:p>
             <a:fld id="{934B5DE2-A312-824F-BA15-E363E7F875D2}" type="datetimeFigureOut">
               <a:rPr lang="en-US" smtClean="0"/>
-              <a:t>10/30/21</a:t>
+              <a:t>11/7/21</a:t>
             </a:fld>
             <a:endParaRPr lang="en-US"/>
           </a:p>
@@ -2697,7 +2702,7 @@
           <a:p>
             <a:fld id="{934B5DE2-A312-824F-BA15-E363E7F875D2}" type="datetimeFigureOut">
               <a:rPr lang="en-US" smtClean="0"/>
-              <a:t>10/30/21</a:t>
+              <a:t>11/7/21</a:t>
             </a:fld>
             <a:endParaRPr lang="en-US"/>
           </a:p>
@@ -2954,7 +2959,7 @@
           <a:p>
             <a:fld id="{934B5DE2-A312-824F-BA15-E363E7F875D2}" type="datetimeFigureOut">
               <a:rPr lang="en-US" smtClean="0"/>
-              <a:t>10/30/21</a:t>
+              <a:t>11/7/21</a:t>
             </a:fld>
             <a:endParaRPr lang="en-US"/>
           </a:p>
@@ -3167,7 +3172,7 @@
           <a:p>
             <a:fld id="{934B5DE2-A312-824F-BA15-E363E7F875D2}" type="datetimeFigureOut">
               <a:rPr lang="en-US" smtClean="0"/>
-              <a:t>10/30/21</a:t>
+              <a:t>11/7/21</a:t>
             </a:fld>
             <a:endParaRPr lang="en-US"/>
           </a:p>
@@ -3588,12 +3593,53 @@
           <a:chExt cx="0" cy="0"/>
         </a:xfrm>
       </p:grpSpPr>
+      <p:sp>
+        <p:nvSpPr>
+          <p:cNvPr id="6" name="TextBox 5">
+            <a:extLst>
+              <a:ext uri="{FF2B5EF4-FFF2-40B4-BE49-F238E27FC236}">
+                <a16:creationId xmlns:a16="http://schemas.microsoft.com/office/drawing/2014/main" id="{45081369-9BA1-8F44-A286-5706861D0138}"/>
+              </a:ext>
+            </a:extLst>
+          </p:cNvPr>
+          <p:cNvSpPr txBox="1"/>
+          <p:nvPr/>
+        </p:nvSpPr>
+        <p:spPr>
+          <a:xfrm>
+            <a:off x="1949173" y="309261"/>
+            <a:ext cx="2959656" cy="769441"/>
+          </a:xfrm>
+          <a:prstGeom prst="rect">
+            <a:avLst/>
+          </a:prstGeom>
+          <a:noFill/>
+        </p:spPr>
+        <p:txBody>
+          <a:bodyPr wrap="none" rtlCol="0">
+            <a:spAutoFit/>
+          </a:bodyPr>
+          <a:lstStyle/>
+          <a:p>
+            <a:pPr algn="ctr"/>
+            <a:r>
+              <a:rPr lang="en-US" sz="4400" b="1" dirty="0">
+                <a:solidFill>
+                  <a:schemeClr val="bg1"/>
+                </a:solidFill>
+                <a:latin typeface="Avenir Book" panose="02000503020000020003" pitchFamily="2" charset="0"/>
+              </a:rPr>
+              <a:t>Login View</a:t>
+            </a:r>
+          </a:p>
+        </p:txBody>
+      </p:sp>
       <p:grpSp>
         <p:nvGrpSpPr>
-          <p:cNvPr id="5" name="Group 4">
+          <p:cNvPr id="2" name="Group 1">
             <a:extLst>
               <a:ext uri="{FF2B5EF4-FFF2-40B4-BE49-F238E27FC236}">
-                <a16:creationId xmlns:a16="http://schemas.microsoft.com/office/drawing/2014/main" id="{B49617A7-DC62-564B-A267-38E5D566C623}"/>
+                <a16:creationId xmlns:a16="http://schemas.microsoft.com/office/drawing/2014/main" id="{EA4CE415-F62C-6941-A1F3-3DE5F05FF68D}"/>
               </a:ext>
             </a:extLst>
           </p:cNvPr>
@@ -3604,16 +3650,228 @@
           <a:xfrm>
             <a:off x="615358" y="1391164"/>
             <a:ext cx="5627282" cy="8514836"/>
-            <a:chOff x="-238182" y="0"/>
-            <a:chExt cx="4532313" cy="6858000"/>
+            <a:chOff x="615358" y="1391164"/>
+            <a:chExt cx="5627282" cy="8514836"/>
           </a:xfrm>
         </p:grpSpPr>
+        <p:grpSp>
+          <p:nvGrpSpPr>
+            <p:cNvPr id="5" name="Group 4">
+              <a:extLst>
+                <a:ext uri="{FF2B5EF4-FFF2-40B4-BE49-F238E27FC236}">
+                  <a16:creationId xmlns:a16="http://schemas.microsoft.com/office/drawing/2014/main" id="{B49617A7-DC62-564B-A267-38E5D566C623}"/>
+                </a:ext>
+              </a:extLst>
+            </p:cNvPr>
+            <p:cNvGrpSpPr/>
+            <p:nvPr/>
+          </p:nvGrpSpPr>
+          <p:grpSpPr>
+            <a:xfrm>
+              <a:off x="615358" y="1391164"/>
+              <a:ext cx="5627282" cy="8514836"/>
+              <a:chOff x="-238182" y="0"/>
+              <a:chExt cx="4532313" cy="6858000"/>
+            </a:xfrm>
+          </p:grpSpPr>
+          <p:sp>
+            <p:nvSpPr>
+              <p:cNvPr id="4" name="Rectangle 3">
+                <a:extLst>
+                  <a:ext uri="{FF2B5EF4-FFF2-40B4-BE49-F238E27FC236}">
+                    <a16:creationId xmlns:a16="http://schemas.microsoft.com/office/drawing/2014/main" id="{75E991C1-C2BA-4544-92E0-BEB9F88FE4E5}"/>
+                  </a:ext>
+                </a:extLst>
+              </p:cNvPr>
+              <p:cNvSpPr/>
+              <p:nvPr/>
+            </p:nvSpPr>
+            <p:spPr>
+              <a:xfrm>
+                <a:off x="570368" y="181069"/>
+                <a:ext cx="2915216" cy="6264998"/>
+              </a:xfrm>
+              <a:prstGeom prst="rect">
+                <a:avLst/>
+              </a:prstGeom>
+              <a:gradFill flip="none" rotWithShape="1">
+                <a:gsLst>
+                  <a:gs pos="0">
+                    <a:srgbClr val="FFAFBD"/>
+                  </a:gs>
+                  <a:gs pos="64000">
+                    <a:srgbClr val="FFC3A0"/>
+                  </a:gs>
+                </a:gsLst>
+                <a:lin ang="2700000" scaled="1"/>
+                <a:tileRect/>
+              </a:gradFill>
+              <a:ln>
+                <a:noFill/>
+              </a:ln>
+            </p:spPr>
+            <p:style>
+              <a:lnRef idx="2">
+                <a:schemeClr val="accent1">
+                  <a:shade val="50000"/>
+                </a:schemeClr>
+              </a:lnRef>
+              <a:fillRef idx="1">
+                <a:schemeClr val="accent1"/>
+              </a:fillRef>
+              <a:effectRef idx="0">
+                <a:schemeClr val="accent1"/>
+              </a:effectRef>
+              <a:fontRef idx="minor">
+                <a:schemeClr val="lt1"/>
+              </a:fontRef>
+            </p:style>
+            <p:txBody>
+              <a:bodyPr rtlCol="0" anchor="ctr"/>
+              <a:lstStyle/>
+              <a:p>
+                <a:pPr algn="ctr"/>
+                <a:endParaRPr lang="en-US" sz="2600"/>
+              </a:p>
+            </p:txBody>
+          </p:sp>
+          <p:pic>
+            <p:nvPicPr>
+              <p:cNvPr id="1026" name="Picture 2" descr="Iphone X Screen Mockup transparent PNG - StickPNG">
+                <a:extLst>
+                  <a:ext uri="{FF2B5EF4-FFF2-40B4-BE49-F238E27FC236}">
+                    <a16:creationId xmlns:a16="http://schemas.microsoft.com/office/drawing/2014/main" id="{38F46B26-5A20-084C-8883-39E9DBFEA8B9}"/>
+                  </a:ext>
+                </a:extLst>
+              </p:cNvPr>
+              <p:cNvPicPr>
+                <a:picLocks noChangeAspect="1" noChangeArrowheads="1"/>
+              </p:cNvPicPr>
+              <p:nvPr/>
+            </p:nvPicPr>
+            <p:blipFill>
+              <a:blip r:embed="rId3">
+                <a:extLst>
+                  <a:ext uri="{28A0092B-C50C-407E-A947-70E740481C1C}">
+                    <a14:useLocalDpi xmlns:a14="http://schemas.microsoft.com/office/drawing/2010/main" val="0"/>
+                  </a:ext>
+                </a:extLst>
+              </a:blip>
+              <a:srcRect/>
+              <a:stretch>
+                <a:fillRect/>
+              </a:stretch>
+            </p:blipFill>
+            <p:spPr bwMode="auto">
+              <a:xfrm>
+                <a:off x="-238182" y="0"/>
+                <a:ext cx="4532313" cy="6858000"/>
+              </a:xfrm>
+              <a:prstGeom prst="rect">
+                <a:avLst/>
+              </a:prstGeom>
+              <a:noFill/>
+              <a:extLst>
+                <a:ext uri="{909E8E84-426E-40DD-AFC4-6F175D3DCCD1}">
+                  <a14:hiddenFill xmlns:a14="http://schemas.microsoft.com/office/drawing/2010/main">
+                    <a:solidFill>
+                      <a:srgbClr val="FFFFFF"/>
+                    </a:solidFill>
+                  </a14:hiddenFill>
+                </a:ext>
+              </a:extLst>
+            </p:spPr>
+          </p:pic>
+        </p:grpSp>
         <p:sp>
           <p:nvSpPr>
-            <p:cNvPr id="4" name="Rectangle 3">
+            <p:cNvPr id="9" name="TextBox 8">
               <a:extLst>
                 <a:ext uri="{FF2B5EF4-FFF2-40B4-BE49-F238E27FC236}">
-                  <a16:creationId xmlns:a16="http://schemas.microsoft.com/office/drawing/2014/main" id="{75E991C1-C2BA-4544-92E0-BEB9F88FE4E5}"/>
+                  <a16:creationId xmlns:a16="http://schemas.microsoft.com/office/drawing/2014/main" id="{06841CE0-6DAC-F64B-9B86-A36858E03B3E}"/>
+                </a:ext>
+              </a:extLst>
+            </p:cNvPr>
+            <p:cNvSpPr txBox="1"/>
+            <p:nvPr/>
+          </p:nvSpPr>
+          <p:spPr>
+            <a:xfrm>
+              <a:off x="2864581" y="2362960"/>
+              <a:ext cx="1128835" cy="1077218"/>
+            </a:xfrm>
+            <a:prstGeom prst="rect">
+              <a:avLst/>
+            </a:prstGeom>
+            <a:noFill/>
+          </p:spPr>
+          <p:txBody>
+            <a:bodyPr wrap="none" rtlCol="0">
+              <a:spAutoFit/>
+            </a:bodyPr>
+            <a:lstStyle/>
+            <a:p>
+              <a:pPr algn="ctr"/>
+              <a:r>
+                <a:rPr lang="en-US" sz="3200" b="1" dirty="0">
+                  <a:solidFill>
+                    <a:schemeClr val="bg1"/>
+                  </a:solidFill>
+                  <a:latin typeface="Avenir Book" panose="02000503020000020003" pitchFamily="2" charset="0"/>
+                </a:rPr>
+                <a:t>App</a:t>
+              </a:r>
+            </a:p>
+            <a:p>
+              <a:pPr algn="ctr"/>
+              <a:r>
+                <a:rPr lang="en-US" sz="3200" b="1" dirty="0">
+                  <a:solidFill>
+                    <a:schemeClr val="bg1"/>
+                  </a:solidFill>
+                  <a:latin typeface="Avenir Book" panose="02000503020000020003" pitchFamily="2" charset="0"/>
+                </a:rPr>
+                <a:t>Logo</a:t>
+              </a:r>
+            </a:p>
+          </p:txBody>
+        </p:sp>
+        <p:pic>
+          <p:nvPicPr>
+            <p:cNvPr id="15" name="Picture 14" descr="A picture containing black, dark&#10;&#10;Description automatically generated">
+              <a:extLst>
+                <a:ext uri="{FF2B5EF4-FFF2-40B4-BE49-F238E27FC236}">
+                  <a16:creationId xmlns:a16="http://schemas.microsoft.com/office/drawing/2014/main" id="{46FEE6E8-9C74-CA4C-B5D7-DA56C5E5DCB7}"/>
+                </a:ext>
+              </a:extLst>
+            </p:cNvPr>
+            <p:cNvPicPr>
+              <a:picLocks noChangeAspect="1"/>
+            </p:cNvPicPr>
+            <p:nvPr/>
+          </p:nvPicPr>
+          <p:blipFill>
+            <a:blip r:embed="rId4"/>
+            <a:stretch>
+              <a:fillRect/>
+            </a:stretch>
+          </p:blipFill>
+          <p:spPr>
+            <a:xfrm>
+              <a:off x="1773249" y="4087308"/>
+              <a:ext cx="3311497" cy="2835910"/>
+            </a:xfrm>
+            <a:prstGeom prst="rect">
+              <a:avLst/>
+            </a:prstGeom>
+          </p:spPr>
+        </p:pic>
+        <p:sp>
+          <p:nvSpPr>
+            <p:cNvPr id="16" name="Rounded Rectangle 15">
+              <a:extLst>
+                <a:ext uri="{FF2B5EF4-FFF2-40B4-BE49-F238E27FC236}">
+                  <a16:creationId xmlns:a16="http://schemas.microsoft.com/office/drawing/2014/main" id="{099C67BE-EF29-9340-8A72-D12AB85B0A96}"/>
                 </a:ext>
               </a:extLst>
             </p:cNvPr>
@@ -3622,24 +3880,17 @@
           </p:nvSpPr>
           <p:spPr>
             <a:xfrm>
-              <a:off x="570368" y="181069"/>
-              <a:ext cx="2915216" cy="6264998"/>
+              <a:off x="2437225" y="7456089"/>
+              <a:ext cx="1983544" cy="468529"/>
             </a:xfrm>
-            <a:prstGeom prst="rect">
-              <a:avLst/>
+            <a:prstGeom prst="roundRect">
+              <a:avLst>
+                <a:gd name="adj" fmla="val 41667"/>
+              </a:avLst>
             </a:prstGeom>
-            <a:gradFill flip="none" rotWithShape="1">
-              <a:gsLst>
-                <a:gs pos="0">
-                  <a:srgbClr val="FFAFBD"/>
-                </a:gs>
-                <a:gs pos="64000">
-                  <a:srgbClr val="FFC3A0"/>
-                </a:gs>
-              </a:gsLst>
-              <a:lin ang="2700000" scaled="1"/>
-              <a:tileRect/>
-            </a:gradFill>
+            <a:solidFill>
+              <a:srgbClr val="EC6F66"/>
+            </a:solidFill>
             <a:ln>
               <a:noFill/>
             </a:ln>
@@ -3665,300 +3916,75 @@
             <a:lstStyle/>
             <a:p>
               <a:pPr algn="ctr"/>
-              <a:endParaRPr lang="en-US" sz="2600"/>
+              <a:r>
+                <a:rPr lang="en-US" b="1" dirty="0">
+                  <a:latin typeface="Avenir Book" panose="02000503020000020003" pitchFamily="2" charset="0"/>
+                </a:rPr>
+                <a:t>Login</a:t>
+              </a:r>
             </a:p>
           </p:txBody>
         </p:sp>
-        <p:pic>
-          <p:nvPicPr>
-            <p:cNvPr id="1026" name="Picture 2" descr="Iphone X Screen Mockup transparent PNG - StickPNG">
+        <p:sp>
+          <p:nvSpPr>
+            <p:cNvPr id="18" name="Rounded Rectangle 17">
               <a:extLst>
                 <a:ext uri="{FF2B5EF4-FFF2-40B4-BE49-F238E27FC236}">
-                  <a16:creationId xmlns:a16="http://schemas.microsoft.com/office/drawing/2014/main" id="{38F46B26-5A20-084C-8883-39E9DBFEA8B9}"/>
+                  <a16:creationId xmlns:a16="http://schemas.microsoft.com/office/drawing/2014/main" id="{E42853F5-9E76-084C-BCD9-80861A733CFE}"/>
                 </a:ext>
               </a:extLst>
             </p:cNvPr>
-            <p:cNvPicPr>
-              <a:picLocks noChangeAspect="1" noChangeArrowheads="1"/>
-            </p:cNvPicPr>
+            <p:cNvSpPr/>
             <p:nvPr/>
-          </p:nvPicPr>
-          <p:blipFill>
-            <a:blip r:embed="rId3">
-              <a:extLst>
-                <a:ext uri="{28A0092B-C50C-407E-A947-70E740481C1C}">
-                  <a14:useLocalDpi xmlns:a14="http://schemas.microsoft.com/office/drawing/2010/main" val="0"/>
-                </a:ext>
-              </a:extLst>
-            </a:blip>
-            <a:srcRect/>
-            <a:stretch>
-              <a:fillRect/>
-            </a:stretch>
-          </p:blipFill>
-          <p:spPr bwMode="auto">
+          </p:nvSpPr>
+          <p:spPr>
             <a:xfrm>
-              <a:off x="-238182" y="0"/>
-              <a:ext cx="4532313" cy="6858000"/>
+              <a:off x="2437225" y="8191053"/>
+              <a:ext cx="1983544" cy="468529"/>
             </a:xfrm>
-            <a:prstGeom prst="rect">
-              <a:avLst/>
+            <a:prstGeom prst="roundRect">
+              <a:avLst>
+                <a:gd name="adj" fmla="val 41667"/>
+              </a:avLst>
             </a:prstGeom>
-            <a:noFill/>
-            <a:extLst>
-              <a:ext uri="{909E8E84-426E-40DD-AFC4-6F175D3DCCD1}">
-                <a14:hiddenFill xmlns:a14="http://schemas.microsoft.com/office/drawing/2010/main">
-                  <a:solidFill>
-                    <a:srgbClr val="FFFFFF"/>
-                  </a:solidFill>
-                </a14:hiddenFill>
-              </a:ext>
-            </a:extLst>
+            <a:solidFill>
+              <a:srgbClr val="EC6F66"/>
+            </a:solidFill>
+            <a:ln>
+              <a:noFill/>
+            </a:ln>
           </p:spPr>
-        </p:pic>
+          <p:style>
+            <a:lnRef idx="2">
+              <a:schemeClr val="accent1">
+                <a:shade val="50000"/>
+              </a:schemeClr>
+            </a:lnRef>
+            <a:fillRef idx="1">
+              <a:schemeClr val="accent1"/>
+            </a:fillRef>
+            <a:effectRef idx="0">
+              <a:schemeClr val="accent1"/>
+            </a:effectRef>
+            <a:fontRef idx="minor">
+              <a:schemeClr val="lt1"/>
+            </a:fontRef>
+          </p:style>
+          <p:txBody>
+            <a:bodyPr rtlCol="0" anchor="ctr"/>
+            <a:lstStyle/>
+            <a:p>
+              <a:pPr algn="ctr"/>
+              <a:r>
+                <a:rPr lang="en-US" b="1" dirty="0">
+                  <a:latin typeface="Avenir Book" panose="02000503020000020003" pitchFamily="2" charset="0"/>
+                </a:rPr>
+                <a:t>Register</a:t>
+              </a:r>
+            </a:p>
+          </p:txBody>
+        </p:sp>
       </p:grpSp>
-      <p:sp>
-        <p:nvSpPr>
-          <p:cNvPr id="6" name="TextBox 5">
-            <a:extLst>
-              <a:ext uri="{FF2B5EF4-FFF2-40B4-BE49-F238E27FC236}">
-                <a16:creationId xmlns:a16="http://schemas.microsoft.com/office/drawing/2014/main" id="{45081369-9BA1-8F44-A286-5706861D0138}"/>
-              </a:ext>
-            </a:extLst>
-          </p:cNvPr>
-          <p:cNvSpPr txBox="1"/>
-          <p:nvPr/>
-        </p:nvSpPr>
-        <p:spPr>
-          <a:xfrm>
-            <a:off x="1949173" y="309261"/>
-            <a:ext cx="2959656" cy="769441"/>
-          </a:xfrm>
-          <a:prstGeom prst="rect">
-            <a:avLst/>
-          </a:prstGeom>
-          <a:noFill/>
-        </p:spPr>
-        <p:txBody>
-          <a:bodyPr wrap="none" rtlCol="0">
-            <a:spAutoFit/>
-          </a:bodyPr>
-          <a:lstStyle/>
-          <a:p>
-            <a:pPr algn="ctr"/>
-            <a:r>
-              <a:rPr lang="en-US" sz="4400" b="1" dirty="0">
-                <a:solidFill>
-                  <a:schemeClr val="bg1"/>
-                </a:solidFill>
-                <a:latin typeface="Avenir Book" panose="02000503020000020003" pitchFamily="2" charset="0"/>
-              </a:rPr>
-              <a:t>Login View</a:t>
-            </a:r>
-          </a:p>
-        </p:txBody>
-      </p:sp>
-      <p:sp>
-        <p:nvSpPr>
-          <p:cNvPr id="9" name="TextBox 8">
-            <a:extLst>
-              <a:ext uri="{FF2B5EF4-FFF2-40B4-BE49-F238E27FC236}">
-                <a16:creationId xmlns:a16="http://schemas.microsoft.com/office/drawing/2014/main" id="{06841CE0-6DAC-F64B-9B86-A36858E03B3E}"/>
-              </a:ext>
-            </a:extLst>
-          </p:cNvPr>
-          <p:cNvSpPr txBox="1"/>
-          <p:nvPr/>
-        </p:nvSpPr>
-        <p:spPr>
-          <a:xfrm>
-            <a:off x="2864581" y="2362960"/>
-            <a:ext cx="1128835" cy="1077218"/>
-          </a:xfrm>
-          <a:prstGeom prst="rect">
-            <a:avLst/>
-          </a:prstGeom>
-          <a:noFill/>
-        </p:spPr>
-        <p:txBody>
-          <a:bodyPr wrap="none" rtlCol="0">
-            <a:spAutoFit/>
-          </a:bodyPr>
-          <a:lstStyle/>
-          <a:p>
-            <a:pPr algn="ctr"/>
-            <a:r>
-              <a:rPr lang="en-US" sz="3200" b="1" dirty="0">
-                <a:solidFill>
-                  <a:schemeClr val="bg1"/>
-                </a:solidFill>
-                <a:latin typeface="Avenir Book" panose="02000503020000020003" pitchFamily="2" charset="0"/>
-              </a:rPr>
-              <a:t>App</a:t>
-            </a:r>
-          </a:p>
-          <a:p>
-            <a:pPr algn="ctr"/>
-            <a:r>
-              <a:rPr lang="en-US" sz="3200" b="1" dirty="0">
-                <a:solidFill>
-                  <a:schemeClr val="bg1"/>
-                </a:solidFill>
-                <a:latin typeface="Avenir Book" panose="02000503020000020003" pitchFamily="2" charset="0"/>
-              </a:rPr>
-              <a:t>Logo</a:t>
-            </a:r>
-          </a:p>
-        </p:txBody>
-      </p:sp>
-      <p:pic>
-        <p:nvPicPr>
-          <p:cNvPr id="15" name="Picture 14" descr="A picture containing black, dark&#10;&#10;Description automatically generated">
-            <a:extLst>
-              <a:ext uri="{FF2B5EF4-FFF2-40B4-BE49-F238E27FC236}">
-                <a16:creationId xmlns:a16="http://schemas.microsoft.com/office/drawing/2014/main" id="{46FEE6E8-9C74-CA4C-B5D7-DA56C5E5DCB7}"/>
-              </a:ext>
-            </a:extLst>
-          </p:cNvPr>
-          <p:cNvPicPr>
-            <a:picLocks noChangeAspect="1"/>
-          </p:cNvPicPr>
-          <p:nvPr/>
-        </p:nvPicPr>
-        <p:blipFill>
-          <a:blip r:embed="rId4"/>
-          <a:stretch>
-            <a:fillRect/>
-          </a:stretch>
-        </p:blipFill>
-        <p:spPr>
-          <a:xfrm>
-            <a:off x="1773249" y="4087308"/>
-            <a:ext cx="3311497" cy="2835910"/>
-          </a:xfrm>
-          <a:prstGeom prst="rect">
-            <a:avLst/>
-          </a:prstGeom>
-        </p:spPr>
-      </p:pic>
-      <p:sp>
-        <p:nvSpPr>
-          <p:cNvPr id="16" name="Rounded Rectangle 15">
-            <a:extLst>
-              <a:ext uri="{FF2B5EF4-FFF2-40B4-BE49-F238E27FC236}">
-                <a16:creationId xmlns:a16="http://schemas.microsoft.com/office/drawing/2014/main" id="{099C67BE-EF29-9340-8A72-D12AB85B0A96}"/>
-              </a:ext>
-            </a:extLst>
-          </p:cNvPr>
-          <p:cNvSpPr/>
-          <p:nvPr/>
-        </p:nvSpPr>
-        <p:spPr>
-          <a:xfrm>
-            <a:off x="2437225" y="7456089"/>
-            <a:ext cx="1983544" cy="468529"/>
-          </a:xfrm>
-          <a:prstGeom prst="roundRect">
-            <a:avLst>
-              <a:gd name="adj" fmla="val 41667"/>
-            </a:avLst>
-          </a:prstGeom>
-          <a:solidFill>
-            <a:srgbClr val="EC6F66"/>
-          </a:solidFill>
-          <a:ln>
-            <a:noFill/>
-          </a:ln>
-        </p:spPr>
-        <p:style>
-          <a:lnRef idx="2">
-            <a:schemeClr val="accent1">
-              <a:shade val="50000"/>
-            </a:schemeClr>
-          </a:lnRef>
-          <a:fillRef idx="1">
-            <a:schemeClr val="accent1"/>
-          </a:fillRef>
-          <a:effectRef idx="0">
-            <a:schemeClr val="accent1"/>
-          </a:effectRef>
-          <a:fontRef idx="minor">
-            <a:schemeClr val="lt1"/>
-          </a:fontRef>
-        </p:style>
-        <p:txBody>
-          <a:bodyPr rtlCol="0" anchor="ctr"/>
-          <a:lstStyle/>
-          <a:p>
-            <a:pPr algn="ctr"/>
-            <a:r>
-              <a:rPr lang="en-US" b="1" dirty="0">
-                <a:latin typeface="Avenir Book" panose="02000503020000020003" pitchFamily="2" charset="0"/>
-              </a:rPr>
-              <a:t>Login</a:t>
-            </a:r>
-          </a:p>
-        </p:txBody>
-      </p:sp>
-      <p:sp>
-        <p:nvSpPr>
-          <p:cNvPr id="18" name="Rounded Rectangle 17">
-            <a:extLst>
-              <a:ext uri="{FF2B5EF4-FFF2-40B4-BE49-F238E27FC236}">
-                <a16:creationId xmlns:a16="http://schemas.microsoft.com/office/drawing/2014/main" id="{E42853F5-9E76-084C-BCD9-80861A733CFE}"/>
-              </a:ext>
-            </a:extLst>
-          </p:cNvPr>
-          <p:cNvSpPr/>
-          <p:nvPr/>
-        </p:nvSpPr>
-        <p:spPr>
-          <a:xfrm>
-            <a:off x="2437225" y="8191053"/>
-            <a:ext cx="1983544" cy="468529"/>
-          </a:xfrm>
-          <a:prstGeom prst="roundRect">
-            <a:avLst>
-              <a:gd name="adj" fmla="val 41667"/>
-            </a:avLst>
-          </a:prstGeom>
-          <a:solidFill>
-            <a:srgbClr val="EC6F66"/>
-          </a:solidFill>
-          <a:ln>
-            <a:noFill/>
-          </a:ln>
-        </p:spPr>
-        <p:style>
-          <a:lnRef idx="2">
-            <a:schemeClr val="accent1">
-              <a:shade val="50000"/>
-            </a:schemeClr>
-          </a:lnRef>
-          <a:fillRef idx="1">
-            <a:schemeClr val="accent1"/>
-          </a:fillRef>
-          <a:effectRef idx="0">
-            <a:schemeClr val="accent1"/>
-          </a:effectRef>
-          <a:fontRef idx="minor">
-            <a:schemeClr val="lt1"/>
-          </a:fontRef>
-        </p:style>
-        <p:txBody>
-          <a:bodyPr rtlCol="0" anchor="ctr"/>
-          <a:lstStyle/>
-          <a:p>
-            <a:pPr algn="ctr"/>
-            <a:r>
-              <a:rPr lang="en-US" b="1" dirty="0">
-                <a:latin typeface="Avenir Book" panose="02000503020000020003" pitchFamily="2" charset="0"/>
-              </a:rPr>
-              <a:t>Register</a:t>
-            </a:r>
-          </a:p>
-        </p:txBody>
-      </p:sp>
     </p:spTree>
     <p:extLst>
       <p:ext uri="{BB962C8B-B14F-4D97-AF65-F5344CB8AC3E}">
@@ -4005,73 +4031,12 @@
           <a:chExt cx="0" cy="0"/>
         </a:xfrm>
       </p:grpSpPr>
-      <p:sp>
-        <p:nvSpPr>
-          <p:cNvPr id="4" name="Rectangle 3">
+      <p:grpSp>
+        <p:nvGrpSpPr>
+          <p:cNvPr id="3" name="Group 2">
             <a:extLst>
               <a:ext uri="{FF2B5EF4-FFF2-40B4-BE49-F238E27FC236}">
-                <a16:creationId xmlns:a16="http://schemas.microsoft.com/office/drawing/2014/main" id="{75E991C1-C2BA-4544-92E0-BEB9F88FE4E5}"/>
-              </a:ext>
-            </a:extLst>
-          </p:cNvPr>
-          <p:cNvSpPr/>
-          <p:nvPr/>
-        </p:nvSpPr>
-        <p:spPr>
-          <a:xfrm>
-            <a:off x="1619247" y="1615978"/>
-            <a:ext cx="3619508" cy="7778570"/>
-          </a:xfrm>
-          <a:prstGeom prst="rect">
-            <a:avLst/>
-          </a:prstGeom>
-          <a:gradFill flip="none" rotWithShape="1">
-            <a:gsLst>
-              <a:gs pos="0">
-                <a:srgbClr val="FFAFBD"/>
-              </a:gs>
-              <a:gs pos="64000">
-                <a:srgbClr val="FFC3A0"/>
-              </a:gs>
-            </a:gsLst>
-            <a:lin ang="2700000" scaled="1"/>
-            <a:tileRect/>
-          </a:gradFill>
-          <a:ln>
-            <a:noFill/>
-          </a:ln>
-        </p:spPr>
-        <p:style>
-          <a:lnRef idx="2">
-            <a:schemeClr val="accent1">
-              <a:shade val="50000"/>
-            </a:schemeClr>
-          </a:lnRef>
-          <a:fillRef idx="1">
-            <a:schemeClr val="accent1"/>
-          </a:fillRef>
-          <a:effectRef idx="0">
-            <a:schemeClr val="accent1"/>
-          </a:effectRef>
-          <a:fontRef idx="minor">
-            <a:schemeClr val="lt1"/>
-          </a:fontRef>
-        </p:style>
-        <p:txBody>
-          <a:bodyPr rtlCol="0" anchor="ctr"/>
-          <a:lstStyle/>
-          <a:p>
-            <a:pPr algn="ctr"/>
-            <a:endParaRPr lang="en-US" sz="2600"/>
-          </a:p>
-        </p:txBody>
-      </p:sp>
-      <p:grpSp>
-        <p:nvGrpSpPr>
-          <p:cNvPr id="53" name="Group 52">
-            <a:extLst>
-              <a:ext uri="{FF2B5EF4-FFF2-40B4-BE49-F238E27FC236}">
-                <a16:creationId xmlns:a16="http://schemas.microsoft.com/office/drawing/2014/main" id="{046FA13F-ED62-A748-B328-55A0EB18E930}"/>
+                <a16:creationId xmlns:a16="http://schemas.microsoft.com/office/drawing/2014/main" id="{7946EFA4-990B-4746-B81D-6BAE1656C16C}"/>
               </a:ext>
             </a:extLst>
           </p:cNvPr>
@@ -4080,18 +4045,18 @@
         </p:nvGrpSpPr>
         <p:grpSpPr>
           <a:xfrm>
-            <a:off x="4877516" y="7320615"/>
-            <a:ext cx="2730248" cy="1856379"/>
-            <a:chOff x="1829952" y="7320615"/>
-            <a:chExt cx="2730248" cy="1856379"/>
+            <a:off x="615358" y="1391164"/>
+            <a:ext cx="6992406" cy="8514836"/>
+            <a:chOff x="615358" y="1391164"/>
+            <a:chExt cx="6992406" cy="8514836"/>
           </a:xfrm>
         </p:grpSpPr>
         <p:sp>
           <p:nvSpPr>
-            <p:cNvPr id="54" name="Rounded Rectangle 53">
+            <p:cNvPr id="4" name="Rectangle 3">
               <a:extLst>
                 <a:ext uri="{FF2B5EF4-FFF2-40B4-BE49-F238E27FC236}">
-                  <a16:creationId xmlns:a16="http://schemas.microsoft.com/office/drawing/2014/main" id="{F2B19593-F26E-5C41-A5E5-78C7E68FAA98}"/>
+                  <a16:creationId xmlns:a16="http://schemas.microsoft.com/office/drawing/2014/main" id="{75E991C1-C2BA-4544-92E0-BEB9F88FE4E5}"/>
                 </a:ext>
               </a:extLst>
             </p:cNvPr>
@@ -4100,74 +4065,23 @@
           </p:nvSpPr>
           <p:spPr>
             <a:xfrm>
-              <a:off x="1829952" y="7320615"/>
-              <a:ext cx="1353085" cy="1856379"/>
+              <a:off x="1619247" y="1615978"/>
+              <a:ext cx="3619508" cy="7778570"/>
             </a:xfrm>
-            <a:prstGeom prst="roundRect">
+            <a:prstGeom prst="rect">
               <a:avLst/>
             </a:prstGeom>
-            <a:solidFill>
-              <a:schemeClr val="bg1"/>
-            </a:solidFill>
-            <a:ln>
-              <a:noFill/>
-            </a:ln>
-          </p:spPr>
-          <p:style>
-            <a:lnRef idx="2">
-              <a:schemeClr val="accent1">
-                <a:shade val="50000"/>
-              </a:schemeClr>
-            </a:lnRef>
-            <a:fillRef idx="1">
-              <a:schemeClr val="accent1"/>
-            </a:fillRef>
-            <a:effectRef idx="0">
-              <a:schemeClr val="accent1"/>
-            </a:effectRef>
-            <a:fontRef idx="minor">
-              <a:schemeClr val="lt1"/>
-            </a:fontRef>
-          </p:style>
-          <p:txBody>
-            <a:bodyPr rtlCol="0" anchor="ctr"/>
-            <a:lstStyle/>
-            <a:p>
-              <a:pPr algn="ctr"/>
-              <a:endParaRPr lang="en-US" dirty="0"/>
-            </a:p>
-          </p:txBody>
-        </p:sp>
-        <p:sp>
-          <p:nvSpPr>
-            <p:cNvPr id="59" name="Oval 58">
-              <a:extLst>
-                <a:ext uri="{FF2B5EF4-FFF2-40B4-BE49-F238E27FC236}">
-                  <a16:creationId xmlns:a16="http://schemas.microsoft.com/office/drawing/2014/main" id="{964C045F-8720-A84A-BF83-447D11EA0795}"/>
-                </a:ext>
-              </a:extLst>
-            </p:cNvPr>
-            <p:cNvSpPr/>
-            <p:nvPr/>
-          </p:nvSpPr>
-          <p:spPr>
-            <a:xfrm>
-              <a:off x="1947571" y="7804534"/>
-              <a:ext cx="1235466" cy="1235466"/>
-            </a:xfrm>
-            <a:prstGeom prst="ellipse">
-              <a:avLst/>
-            </a:prstGeom>
-            <a:gradFill>
+            <a:gradFill flip="none" rotWithShape="1">
               <a:gsLst>
                 <a:gs pos="0">
-                  <a:srgbClr val="EC6F66"/>
+                  <a:srgbClr val="FFAFBD"/>
                 </a:gs>
-                <a:gs pos="79000">
-                  <a:srgbClr val="F3A183"/>
+                <a:gs pos="64000">
+                  <a:srgbClr val="FFC3A0"/>
                 </a:gs>
               </a:gsLst>
               <a:lin ang="2700000" scaled="1"/>
+              <a:tileRect/>
             </a:gradFill>
             <a:ln>
               <a:noFill/>
@@ -4194,314 +4108,287 @@
             <a:lstStyle/>
             <a:p>
               <a:pPr algn="ctr"/>
-              <a:endParaRPr lang="en-US" dirty="0"/>
+              <a:endParaRPr lang="en-US" sz="2600"/>
             </a:p>
           </p:txBody>
         </p:sp>
-        <p:sp>
-          <p:nvSpPr>
-            <p:cNvPr id="56" name="TextBox 55">
+        <p:grpSp>
+          <p:nvGrpSpPr>
+            <p:cNvPr id="53" name="Group 52">
               <a:extLst>
                 <a:ext uri="{FF2B5EF4-FFF2-40B4-BE49-F238E27FC236}">
-                  <a16:creationId xmlns:a16="http://schemas.microsoft.com/office/drawing/2014/main" id="{29AF366D-CF9B-3144-9688-80392DAF666A}"/>
+                  <a16:creationId xmlns:a16="http://schemas.microsoft.com/office/drawing/2014/main" id="{046FA13F-ED62-A748-B328-55A0EB18E930}"/>
                 </a:ext>
               </a:extLst>
             </p:cNvPr>
-            <p:cNvSpPr txBox="1"/>
+            <p:cNvGrpSpPr/>
             <p:nvPr/>
-          </p:nvSpPr>
-          <p:spPr>
+          </p:nvGrpSpPr>
+          <p:grpSpPr>
             <a:xfrm>
-              <a:off x="1947572" y="7384206"/>
-              <a:ext cx="2612628" cy="369332"/>
+              <a:off x="4877516" y="7320615"/>
+              <a:ext cx="2730248" cy="1856379"/>
+              <a:chOff x="1829952" y="7320615"/>
+              <a:chExt cx="2730248" cy="1856379"/>
             </a:xfrm>
-            <a:prstGeom prst="rect">
-              <a:avLst/>
-            </a:prstGeom>
-            <a:noFill/>
-          </p:spPr>
-          <p:txBody>
-            <a:bodyPr wrap="square" rtlCol="0">
-              <a:spAutoFit/>
-            </a:bodyPr>
-            <a:lstStyle/>
-            <a:p>
-              <a:r>
-                <a:rPr lang="en-US" b="1" dirty="0">
-                  <a:solidFill>
+          </p:grpSpPr>
+          <p:sp>
+            <p:nvSpPr>
+              <p:cNvPr id="54" name="Rounded Rectangle 53">
+                <a:extLst>
+                  <a:ext uri="{FF2B5EF4-FFF2-40B4-BE49-F238E27FC236}">
+                    <a16:creationId xmlns:a16="http://schemas.microsoft.com/office/drawing/2014/main" id="{F2B19593-F26E-5C41-A5E5-78C7E68FAA98}"/>
+                  </a:ext>
+                </a:extLst>
+              </p:cNvPr>
+              <p:cNvSpPr/>
+              <p:nvPr/>
+            </p:nvSpPr>
+            <p:spPr>
+              <a:xfrm>
+                <a:off x="1829952" y="7320615"/>
+                <a:ext cx="1353085" cy="1856379"/>
+              </a:xfrm>
+              <a:prstGeom prst="roundRect">
+                <a:avLst/>
+              </a:prstGeom>
+              <a:solidFill>
+                <a:schemeClr val="bg1"/>
+              </a:solidFill>
+              <a:ln>
+                <a:noFill/>
+              </a:ln>
+            </p:spPr>
+            <p:style>
+              <a:lnRef idx="2">
+                <a:schemeClr val="accent1">
+                  <a:shade val="50000"/>
+                </a:schemeClr>
+              </a:lnRef>
+              <a:fillRef idx="1">
+                <a:schemeClr val="accent1"/>
+              </a:fillRef>
+              <a:effectRef idx="0">
+                <a:schemeClr val="accent1"/>
+              </a:effectRef>
+              <a:fontRef idx="minor">
+                <a:schemeClr val="lt1"/>
+              </a:fontRef>
+            </p:style>
+            <p:txBody>
+              <a:bodyPr rtlCol="0" anchor="ctr"/>
+              <a:lstStyle/>
+              <a:p>
+                <a:pPr algn="ctr"/>
+                <a:endParaRPr lang="en-US" dirty="0"/>
+              </a:p>
+            </p:txBody>
+          </p:sp>
+          <p:sp>
+            <p:nvSpPr>
+              <p:cNvPr id="59" name="Oval 58">
+                <a:extLst>
+                  <a:ext uri="{FF2B5EF4-FFF2-40B4-BE49-F238E27FC236}">
+                    <a16:creationId xmlns:a16="http://schemas.microsoft.com/office/drawing/2014/main" id="{964C045F-8720-A84A-BF83-447D11EA0795}"/>
+                  </a:ext>
+                </a:extLst>
+              </p:cNvPr>
+              <p:cNvSpPr/>
+              <p:nvPr/>
+            </p:nvSpPr>
+            <p:spPr>
+              <a:xfrm>
+                <a:off x="1947571" y="7804534"/>
+                <a:ext cx="1235466" cy="1235466"/>
+              </a:xfrm>
+              <a:prstGeom prst="ellipse">
+                <a:avLst/>
+              </a:prstGeom>
+              <a:gradFill>
+                <a:gsLst>
+                  <a:gs pos="0">
                     <a:srgbClr val="EC6F66"/>
-                  </a:solidFill>
-                  <a:latin typeface="Avenir Book" panose="02000503020000020003" pitchFamily="2" charset="0"/>
-                </a:rPr>
-                <a:t>Joh</a:t>
-              </a:r>
-            </a:p>
-          </p:txBody>
-        </p:sp>
-        <p:cxnSp>
-          <p:nvCxnSpPr>
-            <p:cNvPr id="57" name="Straight Connector 56">
+                  </a:gs>
+                  <a:gs pos="79000">
+                    <a:srgbClr val="F3A183"/>
+                  </a:gs>
+                </a:gsLst>
+                <a:lin ang="2700000" scaled="1"/>
+              </a:gradFill>
+              <a:ln>
+                <a:noFill/>
+              </a:ln>
+            </p:spPr>
+            <p:style>
+              <a:lnRef idx="2">
+                <a:schemeClr val="accent1">
+                  <a:shade val="50000"/>
+                </a:schemeClr>
+              </a:lnRef>
+              <a:fillRef idx="1">
+                <a:schemeClr val="accent1"/>
+              </a:fillRef>
+              <a:effectRef idx="0">
+                <a:schemeClr val="accent1"/>
+              </a:effectRef>
+              <a:fontRef idx="minor">
+                <a:schemeClr val="lt1"/>
+              </a:fontRef>
+            </p:style>
+            <p:txBody>
+              <a:bodyPr rtlCol="0" anchor="ctr"/>
+              <a:lstStyle/>
+              <a:p>
+                <a:pPr algn="ctr"/>
+                <a:endParaRPr lang="en-US" dirty="0"/>
+              </a:p>
+            </p:txBody>
+          </p:sp>
+          <p:sp>
+            <p:nvSpPr>
+              <p:cNvPr id="56" name="TextBox 55">
+                <a:extLst>
+                  <a:ext uri="{FF2B5EF4-FFF2-40B4-BE49-F238E27FC236}">
+                    <a16:creationId xmlns:a16="http://schemas.microsoft.com/office/drawing/2014/main" id="{29AF366D-CF9B-3144-9688-80392DAF666A}"/>
+                  </a:ext>
+                </a:extLst>
+              </p:cNvPr>
+              <p:cNvSpPr txBox="1"/>
+              <p:nvPr/>
+            </p:nvSpPr>
+            <p:spPr>
+              <a:xfrm>
+                <a:off x="1947572" y="7384206"/>
+                <a:ext cx="2612628" cy="369332"/>
+              </a:xfrm>
+              <a:prstGeom prst="rect">
+                <a:avLst/>
+              </a:prstGeom>
+              <a:noFill/>
+            </p:spPr>
+            <p:txBody>
+              <a:bodyPr wrap="square" rtlCol="0">
+                <a:spAutoFit/>
+              </a:bodyPr>
+              <a:lstStyle/>
+              <a:p>
+                <a:r>
+                  <a:rPr lang="en-US" b="1" dirty="0">
+                    <a:solidFill>
+                      <a:srgbClr val="EC6F66"/>
+                    </a:solidFill>
+                    <a:latin typeface="Avenir Book" panose="02000503020000020003" pitchFamily="2" charset="0"/>
+                  </a:rPr>
+                  <a:t>Joh</a:t>
+                </a:r>
+              </a:p>
+            </p:txBody>
+          </p:sp>
+          <p:cxnSp>
+            <p:nvCxnSpPr>
+              <p:cNvPr id="57" name="Straight Connector 56">
+                <a:extLst>
+                  <a:ext uri="{FF2B5EF4-FFF2-40B4-BE49-F238E27FC236}">
+                    <a16:creationId xmlns:a16="http://schemas.microsoft.com/office/drawing/2014/main" id="{20D039DA-AF6B-DB41-BE4E-D77E92F13501}"/>
+                  </a:ext>
+                </a:extLst>
+              </p:cNvPr>
+              <p:cNvCxnSpPr>
+                <a:cxnSpLocks/>
+              </p:cNvCxnSpPr>
+              <p:nvPr/>
+            </p:nvCxnSpPr>
+            <p:spPr>
+              <a:xfrm>
+                <a:off x="2006588" y="7731064"/>
+                <a:ext cx="389078" cy="0"/>
+              </a:xfrm>
+              <a:prstGeom prst="line">
+                <a:avLst/>
+              </a:prstGeom>
+            </p:spPr>
+            <p:style>
+              <a:lnRef idx="1">
+                <a:schemeClr val="accent3"/>
+              </a:lnRef>
+              <a:fillRef idx="0">
+                <a:schemeClr val="accent3"/>
+              </a:fillRef>
+              <a:effectRef idx="0">
+                <a:schemeClr val="accent3"/>
+              </a:effectRef>
+              <a:fontRef idx="minor">
+                <a:schemeClr val="tx1"/>
+              </a:fontRef>
+            </p:style>
+          </p:cxnSp>
+          <p:sp>
+            <p:nvSpPr>
+              <p:cNvPr id="62" name="Rounded Rectangle 61">
+                <a:extLst>
+                  <a:ext uri="{FF2B5EF4-FFF2-40B4-BE49-F238E27FC236}">
+                    <a16:creationId xmlns:a16="http://schemas.microsoft.com/office/drawing/2014/main" id="{89D49DBD-29EB-D34F-8160-CB2AB084C6CB}"/>
+                  </a:ext>
+                </a:extLst>
+              </p:cNvPr>
+              <p:cNvSpPr/>
+              <p:nvPr/>
+            </p:nvSpPr>
+            <p:spPr>
+              <a:xfrm>
+                <a:off x="2242755" y="7320615"/>
+                <a:ext cx="958220" cy="1856379"/>
+              </a:xfrm>
+              <a:prstGeom prst="roundRect">
+                <a:avLst/>
+              </a:prstGeom>
+              <a:gradFill>
+                <a:gsLst>
+                  <a:gs pos="0">
+                    <a:srgbClr val="F3A183"/>
+                  </a:gs>
+                  <a:gs pos="16000">
+                    <a:srgbClr val="C7997F"/>
+                  </a:gs>
+                </a:gsLst>
+                <a:lin ang="2700000" scaled="1"/>
+              </a:gradFill>
+              <a:ln>
+                <a:noFill/>
+              </a:ln>
+            </p:spPr>
+            <p:style>
+              <a:lnRef idx="2">
+                <a:schemeClr val="accent1">
+                  <a:shade val="50000"/>
+                </a:schemeClr>
+              </a:lnRef>
+              <a:fillRef idx="1">
+                <a:schemeClr val="accent1"/>
+              </a:fillRef>
+              <a:effectRef idx="0">
+                <a:schemeClr val="accent1"/>
+              </a:effectRef>
+              <a:fontRef idx="minor">
+                <a:schemeClr val="lt1"/>
+              </a:fontRef>
+            </p:style>
+            <p:txBody>
+              <a:bodyPr rtlCol="0" anchor="ctr"/>
+              <a:lstStyle/>
+              <a:p>
+                <a:pPr algn="ctr"/>
+                <a:endParaRPr lang="en-US" dirty="0"/>
+              </a:p>
+            </p:txBody>
+          </p:sp>
+        </p:grpSp>
+        <p:pic>
+          <p:nvPicPr>
+            <p:cNvPr id="1026" name="Picture 2" descr="Iphone X Screen Mockup transparent PNG - StickPNG">
               <a:extLst>
                 <a:ext uri="{FF2B5EF4-FFF2-40B4-BE49-F238E27FC236}">
-                  <a16:creationId xmlns:a16="http://schemas.microsoft.com/office/drawing/2014/main" id="{20D039DA-AF6B-DB41-BE4E-D77E92F13501}"/>
-                </a:ext>
-              </a:extLst>
-            </p:cNvPr>
-            <p:cNvCxnSpPr>
-              <a:cxnSpLocks/>
-            </p:cNvCxnSpPr>
-            <p:nvPr/>
-          </p:nvCxnSpPr>
-          <p:spPr>
-            <a:xfrm>
-              <a:off x="2006588" y="7731064"/>
-              <a:ext cx="389078" cy="0"/>
-            </a:xfrm>
-            <a:prstGeom prst="line">
-              <a:avLst/>
-            </a:prstGeom>
-          </p:spPr>
-          <p:style>
-            <a:lnRef idx="1">
-              <a:schemeClr val="accent3"/>
-            </a:lnRef>
-            <a:fillRef idx="0">
-              <a:schemeClr val="accent3"/>
-            </a:fillRef>
-            <a:effectRef idx="0">
-              <a:schemeClr val="accent3"/>
-            </a:effectRef>
-            <a:fontRef idx="minor">
-              <a:schemeClr val="tx1"/>
-            </a:fontRef>
-          </p:style>
-        </p:cxnSp>
-        <p:sp>
-          <p:nvSpPr>
-            <p:cNvPr id="62" name="Rounded Rectangle 61">
-              <a:extLst>
-                <a:ext uri="{FF2B5EF4-FFF2-40B4-BE49-F238E27FC236}">
-                  <a16:creationId xmlns:a16="http://schemas.microsoft.com/office/drawing/2014/main" id="{89D49DBD-29EB-D34F-8160-CB2AB084C6CB}"/>
-                </a:ext>
-              </a:extLst>
-            </p:cNvPr>
-            <p:cNvSpPr/>
-            <p:nvPr/>
-          </p:nvSpPr>
-          <p:spPr>
-            <a:xfrm>
-              <a:off x="2242755" y="7320615"/>
-              <a:ext cx="958220" cy="1856379"/>
-            </a:xfrm>
-            <a:prstGeom prst="roundRect">
-              <a:avLst/>
-            </a:prstGeom>
-            <a:gradFill>
-              <a:gsLst>
-                <a:gs pos="0">
-                  <a:srgbClr val="F3A183"/>
-                </a:gs>
-                <a:gs pos="16000">
-                  <a:srgbClr val="C7997F"/>
-                </a:gs>
-              </a:gsLst>
-              <a:lin ang="2700000" scaled="1"/>
-            </a:gradFill>
-            <a:ln>
-              <a:noFill/>
-            </a:ln>
-          </p:spPr>
-          <p:style>
-            <a:lnRef idx="2">
-              <a:schemeClr val="accent1">
-                <a:shade val="50000"/>
-              </a:schemeClr>
-            </a:lnRef>
-            <a:fillRef idx="1">
-              <a:schemeClr val="accent1"/>
-            </a:fillRef>
-            <a:effectRef idx="0">
-              <a:schemeClr val="accent1"/>
-            </a:effectRef>
-            <a:fontRef idx="minor">
-              <a:schemeClr val="lt1"/>
-            </a:fontRef>
-          </p:style>
-          <p:txBody>
-            <a:bodyPr rtlCol="0" anchor="ctr"/>
-            <a:lstStyle/>
-            <a:p>
-              <a:pPr algn="ctr"/>
-              <a:endParaRPr lang="en-US" dirty="0"/>
-            </a:p>
-          </p:txBody>
-        </p:sp>
-      </p:grpSp>
-      <p:pic>
-        <p:nvPicPr>
-          <p:cNvPr id="1026" name="Picture 2" descr="Iphone X Screen Mockup transparent PNG - StickPNG">
-            <a:extLst>
-              <a:ext uri="{FF2B5EF4-FFF2-40B4-BE49-F238E27FC236}">
-                <a16:creationId xmlns:a16="http://schemas.microsoft.com/office/drawing/2014/main" id="{38F46B26-5A20-084C-8883-39E9DBFEA8B9}"/>
-              </a:ext>
-            </a:extLst>
-          </p:cNvPr>
-          <p:cNvPicPr>
-            <a:picLocks noChangeAspect="1" noChangeArrowheads="1"/>
-          </p:cNvPicPr>
-          <p:nvPr/>
-        </p:nvPicPr>
-        <p:blipFill>
-          <a:blip r:embed="rId3">
-            <a:extLst>
-              <a:ext uri="{28A0092B-C50C-407E-A947-70E740481C1C}">
-                <a14:useLocalDpi xmlns:a14="http://schemas.microsoft.com/office/drawing/2010/main" val="0"/>
-              </a:ext>
-            </a:extLst>
-          </a:blip>
-          <a:srcRect/>
-          <a:stretch>
-            <a:fillRect/>
-          </a:stretch>
-        </p:blipFill>
-        <p:spPr bwMode="auto">
-          <a:xfrm>
-            <a:off x="615358" y="1391164"/>
-            <a:ext cx="5627282" cy="8514836"/>
-          </a:xfrm>
-          <a:prstGeom prst="rect">
-            <a:avLst/>
-          </a:prstGeom>
-          <a:noFill/>
-          <a:extLst>
-            <a:ext uri="{909E8E84-426E-40DD-AFC4-6F175D3DCCD1}">
-              <a14:hiddenFill xmlns:a14="http://schemas.microsoft.com/office/drawing/2010/main">
-                <a:solidFill>
-                  <a:srgbClr val="FFFFFF"/>
-                </a:solidFill>
-              </a14:hiddenFill>
-            </a:ext>
-          </a:extLst>
-        </p:spPr>
-      </p:pic>
-      <p:pic>
-        <p:nvPicPr>
-          <p:cNvPr id="15" name="Picture 14" descr="A picture containing black, dark&#10;&#10;Description automatically generated">
-            <a:extLst>
-              <a:ext uri="{FF2B5EF4-FFF2-40B4-BE49-F238E27FC236}">
-                <a16:creationId xmlns:a16="http://schemas.microsoft.com/office/drawing/2014/main" id="{46FEE6E8-9C74-CA4C-B5D7-DA56C5E5DCB7}"/>
-              </a:ext>
-            </a:extLst>
-          </p:cNvPr>
-          <p:cNvPicPr>
-            <a:picLocks noChangeAspect="1"/>
-          </p:cNvPicPr>
-          <p:nvPr/>
-        </p:nvPicPr>
-        <p:blipFill>
-          <a:blip r:embed="rId4">
-            <a:alphaModFix amt="54000"/>
-          </a:blip>
-          <a:stretch>
-            <a:fillRect/>
-          </a:stretch>
-        </p:blipFill>
-        <p:spPr>
-          <a:xfrm>
-            <a:off x="1773249" y="4087308"/>
-            <a:ext cx="3311497" cy="2835910"/>
-          </a:xfrm>
-          <a:prstGeom prst="rect">
-            <a:avLst/>
-          </a:prstGeom>
-        </p:spPr>
-      </p:pic>
-      <p:grpSp>
-        <p:nvGrpSpPr>
-          <p:cNvPr id="8" name="Group 7">
-            <a:extLst>
-              <a:ext uri="{FF2B5EF4-FFF2-40B4-BE49-F238E27FC236}">
-                <a16:creationId xmlns:a16="http://schemas.microsoft.com/office/drawing/2014/main" id="{E62BF24E-3225-824F-AE22-E21F88E65C6A}"/>
-              </a:ext>
-            </a:extLst>
-          </p:cNvPr>
-          <p:cNvGrpSpPr/>
-          <p:nvPr/>
-        </p:nvGrpSpPr>
-        <p:grpSpPr>
-          <a:xfrm>
-            <a:off x="2558160" y="2286644"/>
-            <a:ext cx="1800665" cy="1800664"/>
-            <a:chOff x="2528664" y="2286644"/>
-            <a:chExt cx="1800665" cy="1800664"/>
-          </a:xfrm>
-        </p:grpSpPr>
-        <p:sp>
-          <p:nvSpPr>
-            <p:cNvPr id="2" name="Oval 1">
-              <a:extLst>
-                <a:ext uri="{FF2B5EF4-FFF2-40B4-BE49-F238E27FC236}">
-                  <a16:creationId xmlns:a16="http://schemas.microsoft.com/office/drawing/2014/main" id="{E3336280-598D-1043-9109-C6810D3187D2}"/>
-                </a:ext>
-              </a:extLst>
-            </p:cNvPr>
-            <p:cNvSpPr/>
-            <p:nvPr/>
-          </p:nvSpPr>
-          <p:spPr>
-            <a:xfrm>
-              <a:off x="2528664" y="2286644"/>
-              <a:ext cx="1800665" cy="1800664"/>
-            </a:xfrm>
-            <a:prstGeom prst="ellipse">
-              <a:avLst/>
-            </a:prstGeom>
-            <a:gradFill>
-              <a:gsLst>
-                <a:gs pos="0">
-                  <a:srgbClr val="EC6F66"/>
-                </a:gs>
-                <a:gs pos="79000">
-                  <a:srgbClr val="F3A183"/>
-                </a:gs>
-              </a:gsLst>
-              <a:lin ang="2700000" scaled="1"/>
-            </a:gradFill>
-            <a:ln>
-              <a:noFill/>
-            </a:ln>
-          </p:spPr>
-          <p:style>
-            <a:lnRef idx="2">
-              <a:schemeClr val="accent1">
-                <a:shade val="50000"/>
-              </a:schemeClr>
-            </a:lnRef>
-            <a:fillRef idx="1">
-              <a:schemeClr val="accent1"/>
-            </a:fillRef>
-            <a:effectRef idx="0">
-              <a:schemeClr val="accent1"/>
-            </a:effectRef>
-            <a:fontRef idx="minor">
-              <a:schemeClr val="lt1"/>
-            </a:fontRef>
-          </p:style>
-          <p:txBody>
-            <a:bodyPr rtlCol="0" anchor="ctr"/>
-            <a:lstStyle/>
-            <a:p>
-              <a:pPr algn="ctr"/>
-              <a:endParaRPr lang="en-US"/>
-            </a:p>
-          </p:txBody>
-        </p:sp>
-        <p:pic>
-          <p:nvPicPr>
-            <p:cNvPr id="3076" name="Picture 4" descr="User Profile PNG Free Download | PNG All">
-              <a:extLst>
-                <a:ext uri="{FF2B5EF4-FFF2-40B4-BE49-F238E27FC236}">
-                  <a16:creationId xmlns:a16="http://schemas.microsoft.com/office/drawing/2014/main" id="{B6CB3C1B-04B1-4C4F-BB57-5496FEADF7F4}"/>
+                  <a16:creationId xmlns:a16="http://schemas.microsoft.com/office/drawing/2014/main" id="{38F46B26-5A20-084C-8883-39E9DBFEA8B9}"/>
                 </a:ext>
               </a:extLst>
             </p:cNvPr>
@@ -4511,7 +4398,7 @@
             <p:nvPr/>
           </p:nvPicPr>
           <p:blipFill>
-            <a:blip r:embed="rId5">
+            <a:blip r:embed="rId3">
               <a:extLst>
                 <a:ext uri="{28A0092B-C50C-407E-A947-70E740481C1C}">
                   <a14:useLocalDpi xmlns:a14="http://schemas.microsoft.com/office/drawing/2010/main" val="0"/>
@@ -4525,8 +4412,8 @@
           </p:blipFill>
           <p:spPr bwMode="auto">
             <a:xfrm>
-              <a:off x="2807689" y="2489111"/>
-              <a:ext cx="1242614" cy="1289212"/>
+              <a:off x="615358" y="1391164"/>
+              <a:ext cx="5627282" cy="8514836"/>
             </a:xfrm>
             <a:prstGeom prst="rect">
               <a:avLst/>
@@ -4543,733 +4430,44 @@
             </a:extLst>
           </p:spPr>
         </p:pic>
-      </p:grpSp>
-      <p:sp>
-        <p:nvSpPr>
-          <p:cNvPr id="11" name="Rounded Rectangle 10">
-            <a:extLst>
-              <a:ext uri="{FF2B5EF4-FFF2-40B4-BE49-F238E27FC236}">
-                <a16:creationId xmlns:a16="http://schemas.microsoft.com/office/drawing/2014/main" id="{ACA8673A-C3C3-B845-BA49-2620987A075A}"/>
-              </a:ext>
-            </a:extLst>
-          </p:cNvPr>
-          <p:cNvSpPr/>
-          <p:nvPr/>
-        </p:nvSpPr>
-        <p:spPr>
-          <a:xfrm>
-            <a:off x="1829953" y="4289775"/>
-            <a:ext cx="3198088" cy="2170660"/>
-          </a:xfrm>
-          <a:prstGeom prst="roundRect">
-            <a:avLst/>
-          </a:prstGeom>
-          <a:solidFill>
-            <a:schemeClr val="bg1"/>
-          </a:solidFill>
-          <a:ln>
-            <a:noFill/>
-          </a:ln>
-        </p:spPr>
-        <p:style>
-          <a:lnRef idx="2">
-            <a:schemeClr val="accent1">
-              <a:shade val="50000"/>
-            </a:schemeClr>
-          </a:lnRef>
-          <a:fillRef idx="1">
-            <a:schemeClr val="accent1"/>
-          </a:fillRef>
-          <a:effectRef idx="0">
-            <a:schemeClr val="accent1"/>
-          </a:effectRef>
-          <a:fontRef idx="minor">
-            <a:schemeClr val="lt1"/>
-          </a:fontRef>
-        </p:style>
-        <p:txBody>
-          <a:bodyPr rtlCol="0" anchor="ctr"/>
-          <a:lstStyle/>
-          <a:p>
-            <a:pPr algn="ctr"/>
-            <a:endParaRPr lang="en-US"/>
-          </a:p>
-        </p:txBody>
-      </p:sp>
-      <p:sp>
-        <p:nvSpPr>
-          <p:cNvPr id="19" name="TextBox 18">
-            <a:extLst>
-              <a:ext uri="{FF2B5EF4-FFF2-40B4-BE49-F238E27FC236}">
-                <a16:creationId xmlns:a16="http://schemas.microsoft.com/office/drawing/2014/main" id="{7BD68E6B-3ED5-2347-8DAE-CFDF046600EC}"/>
-              </a:ext>
-            </a:extLst>
-          </p:cNvPr>
-          <p:cNvSpPr txBox="1"/>
-          <p:nvPr/>
-        </p:nvSpPr>
-        <p:spPr>
-          <a:xfrm>
-            <a:off x="1937142" y="4396293"/>
-            <a:ext cx="3090899" cy="369332"/>
-          </a:xfrm>
-          <a:prstGeom prst="rect">
-            <a:avLst/>
-          </a:prstGeom>
-          <a:noFill/>
-        </p:spPr>
-        <p:txBody>
-          <a:bodyPr wrap="square" rtlCol="0">
-            <a:spAutoFit/>
-          </a:bodyPr>
-          <a:lstStyle/>
-          <a:p>
-            <a:r>
-              <a:rPr lang="en-US" b="1" dirty="0">
-                <a:solidFill>
-                  <a:srgbClr val="EC6F66"/>
-                </a:solidFill>
-                <a:latin typeface="Avenir Book" panose="02000503020000020003" pitchFamily="2" charset="0"/>
-              </a:rPr>
-              <a:t>Activity</a:t>
-            </a:r>
-          </a:p>
-        </p:txBody>
-      </p:sp>
-      <p:cxnSp>
-        <p:nvCxnSpPr>
-          <p:cNvPr id="13" name="Straight Connector 12">
-            <a:extLst>
-              <a:ext uri="{FF2B5EF4-FFF2-40B4-BE49-F238E27FC236}">
-                <a16:creationId xmlns:a16="http://schemas.microsoft.com/office/drawing/2014/main" id="{A4A2745F-3FCB-7642-B18D-0CD113453C96}"/>
-              </a:ext>
-            </a:extLst>
-          </p:cNvPr>
-          <p:cNvCxnSpPr>
-            <a:cxnSpLocks/>
-          </p:cNvCxnSpPr>
-          <p:nvPr/>
-        </p:nvCxnSpPr>
-        <p:spPr>
-          <a:xfrm>
-            <a:off x="2017643" y="4780346"/>
-            <a:ext cx="2773018" cy="0"/>
-          </a:xfrm>
-          <a:prstGeom prst="line">
-            <a:avLst/>
-          </a:prstGeom>
-        </p:spPr>
-        <p:style>
-          <a:lnRef idx="1">
-            <a:schemeClr val="accent3"/>
-          </a:lnRef>
-          <a:fillRef idx="0">
-            <a:schemeClr val="accent3"/>
-          </a:fillRef>
-          <a:effectRef idx="0">
-            <a:schemeClr val="accent3"/>
-          </a:effectRef>
-          <a:fontRef idx="minor">
-            <a:schemeClr val="tx1"/>
-          </a:fontRef>
-        </p:style>
-      </p:cxnSp>
-      <p:sp>
-        <p:nvSpPr>
-          <p:cNvPr id="23" name="Rounded Rectangle 22">
-            <a:extLst>
-              <a:ext uri="{FF2B5EF4-FFF2-40B4-BE49-F238E27FC236}">
-                <a16:creationId xmlns:a16="http://schemas.microsoft.com/office/drawing/2014/main" id="{AA98D029-D160-B24E-AEC6-0F2BE3D282EB}"/>
-              </a:ext>
-            </a:extLst>
-          </p:cNvPr>
-          <p:cNvSpPr/>
-          <p:nvPr/>
-        </p:nvSpPr>
-        <p:spPr>
-          <a:xfrm>
-            <a:off x="1937142" y="4921219"/>
-            <a:ext cx="2962849" cy="369319"/>
-          </a:xfrm>
-          <a:prstGeom prst="roundRect">
-            <a:avLst/>
-          </a:prstGeom>
-          <a:gradFill>
-            <a:gsLst>
-              <a:gs pos="0">
-                <a:srgbClr val="EC6F66">
-                  <a:lumMod val="49000"/>
-                  <a:lumOff val="51000"/>
-                </a:srgbClr>
-              </a:gs>
-              <a:gs pos="79000">
-                <a:srgbClr val="F3A183">
-                  <a:lumMod val="80827"/>
-                  <a:lumOff val="19173"/>
-                </a:srgbClr>
-              </a:gs>
-            </a:gsLst>
-            <a:lin ang="2700000" scaled="1"/>
-          </a:gradFill>
-          <a:ln>
-            <a:noFill/>
-          </a:ln>
-        </p:spPr>
-        <p:style>
-          <a:lnRef idx="2">
-            <a:schemeClr val="accent1">
-              <a:shade val="50000"/>
-            </a:schemeClr>
-          </a:lnRef>
-          <a:fillRef idx="1">
-            <a:schemeClr val="accent1"/>
-          </a:fillRef>
-          <a:effectRef idx="0">
-            <a:schemeClr val="accent1"/>
-          </a:effectRef>
-          <a:fontRef idx="minor">
-            <a:schemeClr val="lt1"/>
-          </a:fontRef>
-        </p:style>
-        <p:txBody>
-          <a:bodyPr rtlCol="0" anchor="ctr"/>
-          <a:lstStyle/>
-          <a:p>
-            <a:r>
-              <a:rPr lang="en-US" dirty="0">
-                <a:latin typeface="Avenir Book" panose="02000503020000020003" pitchFamily="2" charset="0"/>
-              </a:rPr>
-              <a:t>     Active Matches           4</a:t>
-            </a:r>
-          </a:p>
-        </p:txBody>
-      </p:sp>
-      <p:sp>
-        <p:nvSpPr>
-          <p:cNvPr id="24" name="Rounded Rectangle 23">
-            <a:extLst>
-              <a:ext uri="{FF2B5EF4-FFF2-40B4-BE49-F238E27FC236}">
-                <a16:creationId xmlns:a16="http://schemas.microsoft.com/office/drawing/2014/main" id="{ABC313B5-BCA0-6840-AA92-91E962F584BF}"/>
-              </a:ext>
-            </a:extLst>
-          </p:cNvPr>
-          <p:cNvSpPr/>
-          <p:nvPr/>
-        </p:nvSpPr>
-        <p:spPr>
-          <a:xfrm>
-            <a:off x="1947572" y="5393499"/>
-            <a:ext cx="2962849" cy="369319"/>
-          </a:xfrm>
-          <a:prstGeom prst="roundRect">
-            <a:avLst/>
-          </a:prstGeom>
-          <a:gradFill>
-            <a:gsLst>
-              <a:gs pos="0">
-                <a:srgbClr val="EC6F66">
-                  <a:lumMod val="49000"/>
-                  <a:lumOff val="51000"/>
-                </a:srgbClr>
-              </a:gs>
-              <a:gs pos="79000">
-                <a:srgbClr val="F3A183">
-                  <a:lumMod val="80827"/>
-                  <a:lumOff val="19173"/>
-                </a:srgbClr>
-              </a:gs>
-            </a:gsLst>
-            <a:lin ang="2700000" scaled="1"/>
-          </a:gradFill>
-          <a:ln>
-            <a:noFill/>
-          </a:ln>
-        </p:spPr>
-        <p:style>
-          <a:lnRef idx="2">
-            <a:schemeClr val="accent1">
-              <a:shade val="50000"/>
-            </a:schemeClr>
-          </a:lnRef>
-          <a:fillRef idx="1">
-            <a:schemeClr val="accent1"/>
-          </a:fillRef>
-          <a:effectRef idx="0">
-            <a:schemeClr val="accent1"/>
-          </a:effectRef>
-          <a:fontRef idx="minor">
-            <a:schemeClr val="lt1"/>
-          </a:fontRef>
-        </p:style>
-        <p:txBody>
-          <a:bodyPr rtlCol="0" anchor="ctr"/>
-          <a:lstStyle/>
-          <a:p>
-            <a:r>
-              <a:rPr lang="en-US" dirty="0">
-                <a:latin typeface="Avenir Book" panose="02000503020000020003" pitchFamily="2" charset="0"/>
-              </a:rPr>
-              <a:t>    Outgoing Matches      3</a:t>
-            </a:r>
-            <a:endParaRPr lang="en-US" dirty="0"/>
-          </a:p>
-        </p:txBody>
-      </p:sp>
-      <p:sp>
-        <p:nvSpPr>
-          <p:cNvPr id="25" name="Rounded Rectangle 24">
-            <a:extLst>
-              <a:ext uri="{FF2B5EF4-FFF2-40B4-BE49-F238E27FC236}">
-                <a16:creationId xmlns:a16="http://schemas.microsoft.com/office/drawing/2014/main" id="{0EC9F607-46D0-D246-9610-7BF0F0C7B0E5}"/>
-              </a:ext>
-            </a:extLst>
-          </p:cNvPr>
-          <p:cNvSpPr/>
-          <p:nvPr/>
-        </p:nvSpPr>
-        <p:spPr>
-          <a:xfrm>
-            <a:off x="1937142" y="5831352"/>
-            <a:ext cx="2962849" cy="369319"/>
-          </a:xfrm>
-          <a:prstGeom prst="roundRect">
-            <a:avLst/>
-          </a:prstGeom>
-          <a:gradFill>
-            <a:gsLst>
-              <a:gs pos="0">
-                <a:srgbClr val="EC6F66">
-                  <a:lumMod val="49000"/>
-                  <a:lumOff val="51000"/>
-                </a:srgbClr>
-              </a:gs>
-              <a:gs pos="79000">
-                <a:srgbClr val="F3A183">
-                  <a:lumMod val="80827"/>
-                  <a:lumOff val="19173"/>
-                </a:srgbClr>
-              </a:gs>
-            </a:gsLst>
-            <a:lin ang="2700000" scaled="1"/>
-          </a:gradFill>
-          <a:ln>
-            <a:noFill/>
-          </a:ln>
-        </p:spPr>
-        <p:style>
-          <a:lnRef idx="2">
-            <a:schemeClr val="accent1">
-              <a:shade val="50000"/>
-            </a:schemeClr>
-          </a:lnRef>
-          <a:fillRef idx="1">
-            <a:schemeClr val="accent1"/>
-          </a:fillRef>
-          <a:effectRef idx="0">
-            <a:schemeClr val="accent1"/>
-          </a:effectRef>
-          <a:fontRef idx="minor">
-            <a:schemeClr val="lt1"/>
-          </a:fontRef>
-        </p:style>
-        <p:txBody>
-          <a:bodyPr rtlCol="0" anchor="ctr"/>
-          <a:lstStyle/>
-          <a:p>
-            <a:r>
-              <a:rPr lang="en-US" dirty="0">
-                <a:latin typeface="Avenir Book" panose="02000503020000020003" pitchFamily="2" charset="0"/>
-              </a:rPr>
-              <a:t>    Incoming Matches       2</a:t>
-            </a:r>
-            <a:endParaRPr lang="en-US" dirty="0"/>
-          </a:p>
-        </p:txBody>
-      </p:sp>
-      <p:pic>
-        <p:nvPicPr>
-          <p:cNvPr id="3082" name="Picture 10">
-            <a:extLst>
-              <a:ext uri="{FF2B5EF4-FFF2-40B4-BE49-F238E27FC236}">
-                <a16:creationId xmlns:a16="http://schemas.microsoft.com/office/drawing/2014/main" id="{31558C89-AFBD-7540-9665-DA45F82DADD4}"/>
-              </a:ext>
-            </a:extLst>
-          </p:cNvPr>
-          <p:cNvPicPr>
-            <a:picLocks noChangeAspect="1" noChangeArrowheads="1"/>
-          </p:cNvPicPr>
-          <p:nvPr/>
-        </p:nvPicPr>
-        <p:blipFill>
-          <a:blip r:embed="rId6">
-            <a:extLst>
-              <a:ext uri="{28A0092B-C50C-407E-A947-70E740481C1C}">
-                <a14:useLocalDpi xmlns:a14="http://schemas.microsoft.com/office/drawing/2010/main" val="0"/>
-              </a:ext>
-            </a:extLst>
-          </a:blip>
-          <a:srcRect/>
-          <a:stretch>
-            <a:fillRect/>
-          </a:stretch>
-        </p:blipFill>
-        <p:spPr bwMode="auto">
-          <a:xfrm>
-            <a:off x="2017643" y="4974159"/>
-            <a:ext cx="263109" cy="263109"/>
-          </a:xfrm>
-          <a:prstGeom prst="rect">
-            <a:avLst/>
-          </a:prstGeom>
-          <a:noFill/>
-          <a:extLst>
-            <a:ext uri="{909E8E84-426E-40DD-AFC4-6F175D3DCCD1}">
-              <a14:hiddenFill xmlns:a14="http://schemas.microsoft.com/office/drawing/2010/main">
-                <a:solidFill>
-                  <a:srgbClr val="FFFFFF"/>
-                </a:solidFill>
-              </a14:hiddenFill>
-            </a:ext>
-          </a:extLst>
-        </p:spPr>
-      </p:pic>
-      <p:sp>
-        <p:nvSpPr>
-          <p:cNvPr id="27" name="Up Arrow 26">
-            <a:extLst>
-              <a:ext uri="{FF2B5EF4-FFF2-40B4-BE49-F238E27FC236}">
-                <a16:creationId xmlns:a16="http://schemas.microsoft.com/office/drawing/2014/main" id="{4498D27A-BE08-2346-89A9-0DBE863E5D87}"/>
-              </a:ext>
-            </a:extLst>
-          </p:cNvPr>
-          <p:cNvSpPr/>
-          <p:nvPr/>
-        </p:nvSpPr>
-        <p:spPr>
-          <a:xfrm>
-            <a:off x="2017643" y="5462082"/>
-            <a:ext cx="214382" cy="231962"/>
-          </a:xfrm>
-          <a:prstGeom prst="upArrow">
-            <a:avLst/>
-          </a:prstGeom>
-          <a:solidFill>
-            <a:schemeClr val="bg1"/>
-          </a:solidFill>
-          <a:ln>
-            <a:solidFill>
-              <a:srgbClr val="EC6F66"/>
-            </a:solidFill>
-          </a:ln>
-        </p:spPr>
-        <p:style>
-          <a:lnRef idx="2">
-            <a:schemeClr val="accent1">
-              <a:shade val="50000"/>
-            </a:schemeClr>
-          </a:lnRef>
-          <a:fillRef idx="1">
-            <a:schemeClr val="accent1"/>
-          </a:fillRef>
-          <a:effectRef idx="0">
-            <a:schemeClr val="accent1"/>
-          </a:effectRef>
-          <a:fontRef idx="minor">
-            <a:schemeClr val="lt1"/>
-          </a:fontRef>
-        </p:style>
-        <p:txBody>
-          <a:bodyPr rtlCol="0" anchor="ctr"/>
-          <a:lstStyle/>
-          <a:p>
-            <a:pPr algn="ctr"/>
-            <a:endParaRPr lang="en-US"/>
-          </a:p>
-        </p:txBody>
-      </p:sp>
-      <p:sp>
-        <p:nvSpPr>
-          <p:cNvPr id="35" name="Up Arrow 34">
-            <a:extLst>
-              <a:ext uri="{FF2B5EF4-FFF2-40B4-BE49-F238E27FC236}">
-                <a16:creationId xmlns:a16="http://schemas.microsoft.com/office/drawing/2014/main" id="{4215D537-54DE-8D48-803B-953A6CDA6F99}"/>
-              </a:ext>
-            </a:extLst>
-          </p:cNvPr>
-          <p:cNvSpPr/>
-          <p:nvPr/>
-        </p:nvSpPr>
-        <p:spPr>
-          <a:xfrm rot="10800000">
-            <a:off x="2017643" y="5900030"/>
-            <a:ext cx="214382" cy="231962"/>
-          </a:xfrm>
-          <a:prstGeom prst="upArrow">
-            <a:avLst/>
-          </a:prstGeom>
-          <a:solidFill>
-            <a:schemeClr val="bg1"/>
-          </a:solidFill>
-          <a:ln>
-            <a:solidFill>
-              <a:srgbClr val="00B050"/>
-            </a:solidFill>
-          </a:ln>
-        </p:spPr>
-        <p:style>
-          <a:lnRef idx="2">
-            <a:schemeClr val="accent1">
-              <a:shade val="50000"/>
-            </a:schemeClr>
-          </a:lnRef>
-          <a:fillRef idx="1">
-            <a:schemeClr val="accent1"/>
-          </a:fillRef>
-          <a:effectRef idx="0">
-            <a:schemeClr val="accent1"/>
-          </a:effectRef>
-          <a:fontRef idx="minor">
-            <a:schemeClr val="lt1"/>
-          </a:fontRef>
-        </p:style>
-        <p:txBody>
-          <a:bodyPr rtlCol="0" anchor="ctr"/>
-          <a:lstStyle/>
-          <a:p>
-            <a:pPr algn="ctr"/>
-            <a:endParaRPr lang="en-US"/>
-          </a:p>
-        </p:txBody>
-      </p:sp>
-      <p:grpSp>
-        <p:nvGrpSpPr>
-          <p:cNvPr id="34" name="Group 33">
-            <a:extLst>
-              <a:ext uri="{FF2B5EF4-FFF2-40B4-BE49-F238E27FC236}">
-                <a16:creationId xmlns:a16="http://schemas.microsoft.com/office/drawing/2014/main" id="{A0CF9C1A-FEA1-454B-9151-B2E2139C4C69}"/>
-              </a:ext>
-            </a:extLst>
-          </p:cNvPr>
-          <p:cNvGrpSpPr/>
-          <p:nvPr/>
-        </p:nvGrpSpPr>
-        <p:grpSpPr>
-          <a:xfrm>
-            <a:off x="1829952" y="6691167"/>
-            <a:ext cx="3141397" cy="541036"/>
-            <a:chOff x="1829952" y="6691167"/>
-            <a:chExt cx="3141397" cy="541036"/>
-          </a:xfrm>
-        </p:grpSpPr>
-        <p:sp>
-          <p:nvSpPr>
-            <p:cNvPr id="37" name="Rounded Rectangle 36">
+        <p:pic>
+          <p:nvPicPr>
+            <p:cNvPr id="15" name="Picture 14" descr="A picture containing black, dark&#10;&#10;Description automatically generated">
               <a:extLst>
                 <a:ext uri="{FF2B5EF4-FFF2-40B4-BE49-F238E27FC236}">
-                  <a16:creationId xmlns:a16="http://schemas.microsoft.com/office/drawing/2014/main" id="{EF53D0D5-1A15-6244-996C-30D904CC3CB9}"/>
+                  <a16:creationId xmlns:a16="http://schemas.microsoft.com/office/drawing/2014/main" id="{46FEE6E8-9C74-CA4C-B5D7-DA56C5E5DCB7}"/>
                 </a:ext>
               </a:extLst>
             </p:cNvPr>
-            <p:cNvSpPr/>
+            <p:cNvPicPr>
+              <a:picLocks noChangeAspect="1"/>
+            </p:cNvPicPr>
             <p:nvPr/>
-          </p:nvSpPr>
+          </p:nvPicPr>
+          <p:blipFill>
+            <a:blip r:embed="rId4">
+              <a:alphaModFix amt="54000"/>
+            </a:blip>
+            <a:stretch>
+              <a:fillRect/>
+            </a:stretch>
+          </p:blipFill>
           <p:spPr>
             <a:xfrm>
-              <a:off x="1829952" y="6691167"/>
-              <a:ext cx="3141397" cy="541036"/>
-            </a:xfrm>
-            <a:prstGeom prst="roundRect">
-              <a:avLst/>
-            </a:prstGeom>
-            <a:solidFill>
-              <a:schemeClr val="bg1"/>
-            </a:solidFill>
-            <a:ln>
-              <a:noFill/>
-            </a:ln>
-          </p:spPr>
-          <p:style>
-            <a:lnRef idx="2">
-              <a:schemeClr val="accent1">
-                <a:shade val="50000"/>
-              </a:schemeClr>
-            </a:lnRef>
-            <a:fillRef idx="1">
-              <a:schemeClr val="accent1"/>
-            </a:fillRef>
-            <a:effectRef idx="0">
-              <a:schemeClr val="accent1"/>
-            </a:effectRef>
-            <a:fontRef idx="minor">
-              <a:schemeClr val="lt1"/>
-            </a:fontRef>
-          </p:style>
-          <p:txBody>
-            <a:bodyPr rtlCol="0" anchor="ctr"/>
-            <a:lstStyle/>
-            <a:p>
-              <a:pPr algn="ctr"/>
-              <a:endParaRPr lang="en-US"/>
-            </a:p>
-          </p:txBody>
-        </p:sp>
-        <p:sp>
-          <p:nvSpPr>
-            <p:cNvPr id="38" name="TextBox 37">
-              <a:extLst>
-                <a:ext uri="{FF2B5EF4-FFF2-40B4-BE49-F238E27FC236}">
-                  <a16:creationId xmlns:a16="http://schemas.microsoft.com/office/drawing/2014/main" id="{4EF98820-850C-B441-B3C7-6185123156BC}"/>
-                </a:ext>
-              </a:extLst>
-            </p:cNvPr>
-            <p:cNvSpPr txBox="1"/>
-            <p:nvPr/>
-          </p:nvSpPr>
-          <p:spPr>
-            <a:xfrm>
-              <a:off x="1880450" y="6779765"/>
-              <a:ext cx="3090899" cy="369332"/>
+              <a:off x="1773249" y="4087308"/>
+              <a:ext cx="3311497" cy="2835910"/>
             </a:xfrm>
             <a:prstGeom prst="rect">
               <a:avLst/>
             </a:prstGeom>
-            <a:noFill/>
           </p:spPr>
-          <p:txBody>
-            <a:bodyPr wrap="square" rtlCol="0">
-              <a:spAutoFit/>
-            </a:bodyPr>
-            <a:lstStyle/>
-            <a:p>
-              <a:r>
-                <a:rPr lang="en-US" b="1" dirty="0">
-                  <a:solidFill>
-                    <a:srgbClr val="EC6F66"/>
-                  </a:solidFill>
-                  <a:latin typeface="Avenir Book" panose="02000503020000020003" pitchFamily="2" charset="0"/>
-                </a:rPr>
-                <a:t>People</a:t>
-              </a:r>
-            </a:p>
-          </p:txBody>
-        </p:sp>
-        <p:cxnSp>
-          <p:nvCxnSpPr>
-            <p:cNvPr id="40" name="Straight Connector 39">
+        </p:pic>
+        <p:grpSp>
+          <p:nvGrpSpPr>
+            <p:cNvPr id="8" name="Group 7">
               <a:extLst>
                 <a:ext uri="{FF2B5EF4-FFF2-40B4-BE49-F238E27FC236}">
-                  <a16:creationId xmlns:a16="http://schemas.microsoft.com/office/drawing/2014/main" id="{67F2782D-2928-CA43-BF6A-98BA766DB0BF}"/>
-                </a:ext>
-              </a:extLst>
-            </p:cNvPr>
-            <p:cNvCxnSpPr>
-              <a:cxnSpLocks/>
-            </p:cNvCxnSpPr>
-            <p:nvPr/>
-          </p:nvCxnSpPr>
-          <p:spPr>
-            <a:xfrm>
-              <a:off x="1947572" y="7121916"/>
-              <a:ext cx="2773018" cy="0"/>
-            </a:xfrm>
-            <a:prstGeom prst="line">
-              <a:avLst/>
-            </a:prstGeom>
-          </p:spPr>
-          <p:style>
-            <a:lnRef idx="1">
-              <a:schemeClr val="accent3"/>
-            </a:lnRef>
-            <a:fillRef idx="0">
-              <a:schemeClr val="accent3"/>
-            </a:fillRef>
-            <a:effectRef idx="0">
-              <a:schemeClr val="accent3"/>
-            </a:effectRef>
-            <a:fontRef idx="minor">
-              <a:schemeClr val="tx1"/>
-            </a:fontRef>
-          </p:style>
-        </p:cxnSp>
-      </p:grpSp>
-      <p:grpSp>
-        <p:nvGrpSpPr>
-          <p:cNvPr id="32" name="Group 31">
-            <a:extLst>
-              <a:ext uri="{FF2B5EF4-FFF2-40B4-BE49-F238E27FC236}">
-                <a16:creationId xmlns:a16="http://schemas.microsoft.com/office/drawing/2014/main" id="{2C21DC7C-2850-FC40-9568-E98F83C1E8DA}"/>
-              </a:ext>
-            </a:extLst>
-          </p:cNvPr>
-          <p:cNvGrpSpPr/>
-          <p:nvPr/>
-        </p:nvGrpSpPr>
-        <p:grpSpPr>
-          <a:xfrm>
-            <a:off x="1829952" y="7320615"/>
-            <a:ext cx="2742047" cy="1856379"/>
-            <a:chOff x="1829952" y="7320615"/>
-            <a:chExt cx="2742047" cy="1856379"/>
-          </a:xfrm>
-        </p:grpSpPr>
-        <p:sp>
-          <p:nvSpPr>
-            <p:cNvPr id="36" name="Rounded Rectangle 35">
-              <a:extLst>
-                <a:ext uri="{FF2B5EF4-FFF2-40B4-BE49-F238E27FC236}">
-                  <a16:creationId xmlns:a16="http://schemas.microsoft.com/office/drawing/2014/main" id="{F9857EB8-2023-B647-833D-D343A400CE7D}"/>
-                </a:ext>
-              </a:extLst>
-            </p:cNvPr>
-            <p:cNvSpPr/>
-            <p:nvPr/>
-          </p:nvSpPr>
-          <p:spPr>
-            <a:xfrm>
-              <a:off x="1829952" y="7320615"/>
-              <a:ext cx="2742047" cy="1856379"/>
-            </a:xfrm>
-            <a:prstGeom prst="roundRect">
-              <a:avLst/>
-            </a:prstGeom>
-            <a:solidFill>
-              <a:schemeClr val="bg1"/>
-            </a:solidFill>
-            <a:ln>
-              <a:noFill/>
-            </a:ln>
-          </p:spPr>
-          <p:style>
-            <a:lnRef idx="2">
-              <a:schemeClr val="accent1">
-                <a:shade val="50000"/>
-              </a:schemeClr>
-            </a:lnRef>
-            <a:fillRef idx="1">
-              <a:schemeClr val="accent1"/>
-            </a:fillRef>
-            <a:effectRef idx="0">
-              <a:schemeClr val="accent1"/>
-            </a:effectRef>
-            <a:fontRef idx="minor">
-              <a:schemeClr val="lt1"/>
-            </a:fontRef>
-          </p:style>
-          <p:txBody>
-            <a:bodyPr rtlCol="0" anchor="ctr"/>
-            <a:lstStyle/>
-            <a:p>
-              <a:pPr algn="ctr"/>
-              <a:endParaRPr lang="en-US"/>
-            </a:p>
-          </p:txBody>
-        </p:sp>
-        <p:grpSp>
-          <p:nvGrpSpPr>
-            <p:cNvPr id="43" name="Group 42">
-              <a:extLst>
-                <a:ext uri="{FF2B5EF4-FFF2-40B4-BE49-F238E27FC236}">
-                  <a16:creationId xmlns:a16="http://schemas.microsoft.com/office/drawing/2014/main" id="{50FD450D-E3BF-1C41-87B6-56C9AADA0870}"/>
+                  <a16:creationId xmlns:a16="http://schemas.microsoft.com/office/drawing/2014/main" id="{E62BF24E-3225-824F-AE22-E21F88E65C6A}"/>
                 </a:ext>
               </a:extLst>
             </p:cNvPr>
@@ -5278,18 +4476,18 @@
           </p:nvGrpSpPr>
           <p:grpSpPr>
             <a:xfrm>
-              <a:off x="1947572" y="7804534"/>
-              <a:ext cx="1235466" cy="1235466"/>
+              <a:off x="2558160" y="2286644"/>
+              <a:ext cx="1800665" cy="1800664"/>
               <a:chOff x="2528664" y="2286644"/>
               <a:chExt cx="1800665" cy="1800664"/>
             </a:xfrm>
           </p:grpSpPr>
           <p:sp>
             <p:nvSpPr>
-              <p:cNvPr id="44" name="Oval 43">
+              <p:cNvPr id="2" name="Oval 1">
                 <a:extLst>
                   <a:ext uri="{FF2B5EF4-FFF2-40B4-BE49-F238E27FC236}">
-                    <a16:creationId xmlns:a16="http://schemas.microsoft.com/office/drawing/2014/main" id="{99615C75-1952-4A45-B031-9C23C1DA719B}"/>
+                    <a16:creationId xmlns:a16="http://schemas.microsoft.com/office/drawing/2014/main" id="{E3336280-598D-1043-9109-C6810D3187D2}"/>
                   </a:ext>
                 </a:extLst>
               </p:cNvPr>
@@ -5346,10 +4544,10 @@
           </p:sp>
           <p:pic>
             <p:nvPicPr>
-              <p:cNvPr id="45" name="Picture 4" descr="User Profile PNG Free Download | PNG All">
+              <p:cNvPr id="3076" name="Picture 4" descr="User Profile PNG Free Download | PNG All">
                 <a:extLst>
                   <a:ext uri="{FF2B5EF4-FFF2-40B4-BE49-F238E27FC236}">
-                    <a16:creationId xmlns:a16="http://schemas.microsoft.com/office/drawing/2014/main" id="{E58B4A1D-C8D1-6F46-B494-645FCFA34C4D}"/>
+                    <a16:creationId xmlns:a16="http://schemas.microsoft.com/office/drawing/2014/main" id="{B6CB3C1B-04B1-4C4F-BB57-5496FEADF7F4}"/>
                   </a:ext>
                 </a:extLst>
               </p:cNvPr>
@@ -5394,10 +4592,62 @@
         </p:grpSp>
         <p:sp>
           <p:nvSpPr>
-            <p:cNvPr id="46" name="TextBox 45">
+            <p:cNvPr id="11" name="Rounded Rectangle 10">
               <a:extLst>
                 <a:ext uri="{FF2B5EF4-FFF2-40B4-BE49-F238E27FC236}">
-                  <a16:creationId xmlns:a16="http://schemas.microsoft.com/office/drawing/2014/main" id="{2D3FD4DB-6C67-8C41-A527-FD3E2485E7FE}"/>
+                  <a16:creationId xmlns:a16="http://schemas.microsoft.com/office/drawing/2014/main" id="{ACA8673A-C3C3-B845-BA49-2620987A075A}"/>
+                </a:ext>
+              </a:extLst>
+            </p:cNvPr>
+            <p:cNvSpPr/>
+            <p:nvPr/>
+          </p:nvSpPr>
+          <p:spPr>
+            <a:xfrm>
+              <a:off x="1829953" y="4289775"/>
+              <a:ext cx="3198088" cy="2170660"/>
+            </a:xfrm>
+            <a:prstGeom prst="roundRect">
+              <a:avLst/>
+            </a:prstGeom>
+            <a:solidFill>
+              <a:schemeClr val="bg1"/>
+            </a:solidFill>
+            <a:ln>
+              <a:noFill/>
+            </a:ln>
+          </p:spPr>
+          <p:style>
+            <a:lnRef idx="2">
+              <a:schemeClr val="accent1">
+                <a:shade val="50000"/>
+              </a:schemeClr>
+            </a:lnRef>
+            <a:fillRef idx="1">
+              <a:schemeClr val="accent1"/>
+            </a:fillRef>
+            <a:effectRef idx="0">
+              <a:schemeClr val="accent1"/>
+            </a:effectRef>
+            <a:fontRef idx="minor">
+              <a:schemeClr val="lt1"/>
+            </a:fontRef>
+          </p:style>
+          <p:txBody>
+            <a:bodyPr rtlCol="0" anchor="ctr"/>
+            <a:lstStyle/>
+            <a:p>
+              <a:pPr algn="ctr"/>
+              <a:endParaRPr lang="en-US"/>
+            </a:p>
+          </p:txBody>
+        </p:sp>
+        <p:sp>
+          <p:nvSpPr>
+            <p:cNvPr id="19" name="TextBox 18">
+              <a:extLst>
+                <a:ext uri="{FF2B5EF4-FFF2-40B4-BE49-F238E27FC236}">
+                  <a16:creationId xmlns:a16="http://schemas.microsoft.com/office/drawing/2014/main" id="{7BD68E6B-3ED5-2347-8DAE-CFDF046600EC}"/>
                 </a:ext>
               </a:extLst>
             </p:cNvPr>
@@ -5406,8 +4656,8 @@
           </p:nvSpPr>
           <p:spPr>
             <a:xfrm>
-              <a:off x="1947572" y="7384206"/>
-              <a:ext cx="2612628" cy="369332"/>
+              <a:off x="1937142" y="4396293"/>
+              <a:ext cx="3090899" cy="369332"/>
             </a:xfrm>
             <a:prstGeom prst="rect">
               <a:avLst/>
@@ -5427,17 +4677,17 @@
                   </a:solidFill>
                   <a:latin typeface="Avenir Book" panose="02000503020000020003" pitchFamily="2" charset="0"/>
                 </a:rPr>
-                <a:t>John Doe</a:t>
+                <a:t>Activity</a:t>
               </a:r>
             </a:p>
           </p:txBody>
         </p:sp>
         <p:cxnSp>
           <p:nvCxnSpPr>
-            <p:cNvPr id="47" name="Straight Connector 46">
+            <p:cNvPr id="13" name="Straight Connector 12">
               <a:extLst>
                 <a:ext uri="{FF2B5EF4-FFF2-40B4-BE49-F238E27FC236}">
-                  <a16:creationId xmlns:a16="http://schemas.microsoft.com/office/drawing/2014/main" id="{B610733B-2418-9949-832D-065247EB4B98}"/>
+                  <a16:creationId xmlns:a16="http://schemas.microsoft.com/office/drawing/2014/main" id="{A4A2745F-3FCB-7642-B18D-0CD113453C96}"/>
                 </a:ext>
               </a:extLst>
             </p:cNvPr>
@@ -5448,8 +4698,8 @@
           </p:nvCxnSpPr>
           <p:spPr>
             <a:xfrm>
-              <a:off x="2006588" y="7731064"/>
-              <a:ext cx="2352237" cy="386"/>
+              <a:off x="2017643" y="4780346"/>
+              <a:ext cx="2773018" cy="0"/>
             </a:xfrm>
             <a:prstGeom prst="line">
               <a:avLst/>
@@ -5472,45 +4722,842 @@
         </p:cxnSp>
         <p:sp>
           <p:nvSpPr>
-            <p:cNvPr id="51" name="TextBox 50">
+            <p:cNvPr id="23" name="Rounded Rectangle 22">
               <a:extLst>
                 <a:ext uri="{FF2B5EF4-FFF2-40B4-BE49-F238E27FC236}">
-                  <a16:creationId xmlns:a16="http://schemas.microsoft.com/office/drawing/2014/main" id="{959F4AA3-25F2-3142-8AA8-4F516929FC70}"/>
+                  <a16:creationId xmlns:a16="http://schemas.microsoft.com/office/drawing/2014/main" id="{AA98D029-D160-B24E-AEC6-0F2BE3D282EB}"/>
                 </a:ext>
               </a:extLst>
             </p:cNvPr>
-            <p:cNvSpPr txBox="1"/>
+            <p:cNvSpPr/>
             <p:nvPr/>
           </p:nvSpPr>
           <p:spPr>
             <a:xfrm>
-              <a:off x="3177661" y="8237601"/>
-              <a:ext cx="1377494" cy="369332"/>
+              <a:off x="1937142" y="4921219"/>
+              <a:ext cx="2962849" cy="369319"/>
+            </a:xfrm>
+            <a:prstGeom prst="roundRect">
+              <a:avLst/>
+            </a:prstGeom>
+            <a:gradFill>
+              <a:gsLst>
+                <a:gs pos="0">
+                  <a:srgbClr val="EC6F66">
+                    <a:lumMod val="49000"/>
+                    <a:lumOff val="51000"/>
+                  </a:srgbClr>
+                </a:gs>
+                <a:gs pos="79000">
+                  <a:srgbClr val="F3A183">
+                    <a:lumMod val="80827"/>
+                    <a:lumOff val="19173"/>
+                  </a:srgbClr>
+                </a:gs>
+              </a:gsLst>
+              <a:lin ang="2700000" scaled="1"/>
+            </a:gradFill>
+            <a:ln>
+              <a:noFill/>
+            </a:ln>
+          </p:spPr>
+          <p:style>
+            <a:lnRef idx="2">
+              <a:schemeClr val="accent1">
+                <a:shade val="50000"/>
+              </a:schemeClr>
+            </a:lnRef>
+            <a:fillRef idx="1">
+              <a:schemeClr val="accent1"/>
+            </a:fillRef>
+            <a:effectRef idx="0">
+              <a:schemeClr val="accent1"/>
+            </a:effectRef>
+            <a:fontRef idx="minor">
+              <a:schemeClr val="lt1"/>
+            </a:fontRef>
+          </p:style>
+          <p:txBody>
+            <a:bodyPr rtlCol="0" anchor="ctr"/>
+            <a:lstStyle/>
+            <a:p>
+              <a:r>
+                <a:rPr lang="en-US" dirty="0">
+                  <a:latin typeface="Avenir Book" panose="02000503020000020003" pitchFamily="2" charset="0"/>
+                </a:rPr>
+                <a:t>     Active Matches           4</a:t>
+              </a:r>
+            </a:p>
+          </p:txBody>
+        </p:sp>
+        <p:sp>
+          <p:nvSpPr>
+            <p:cNvPr id="24" name="Rounded Rectangle 23">
+              <a:extLst>
+                <a:ext uri="{FF2B5EF4-FFF2-40B4-BE49-F238E27FC236}">
+                  <a16:creationId xmlns:a16="http://schemas.microsoft.com/office/drawing/2014/main" id="{ABC313B5-BCA0-6840-AA92-91E962F584BF}"/>
+                </a:ext>
+              </a:extLst>
+            </p:cNvPr>
+            <p:cNvSpPr/>
+            <p:nvPr/>
+          </p:nvSpPr>
+          <p:spPr>
+            <a:xfrm>
+              <a:off x="1947572" y="5393499"/>
+              <a:ext cx="2962849" cy="369319"/>
+            </a:xfrm>
+            <a:prstGeom prst="roundRect">
+              <a:avLst/>
+            </a:prstGeom>
+            <a:gradFill>
+              <a:gsLst>
+                <a:gs pos="0">
+                  <a:srgbClr val="EC6F66">
+                    <a:lumMod val="49000"/>
+                    <a:lumOff val="51000"/>
+                  </a:srgbClr>
+                </a:gs>
+                <a:gs pos="79000">
+                  <a:srgbClr val="F3A183">
+                    <a:lumMod val="80827"/>
+                    <a:lumOff val="19173"/>
+                  </a:srgbClr>
+                </a:gs>
+              </a:gsLst>
+              <a:lin ang="2700000" scaled="1"/>
+            </a:gradFill>
+            <a:ln>
+              <a:noFill/>
+            </a:ln>
+          </p:spPr>
+          <p:style>
+            <a:lnRef idx="2">
+              <a:schemeClr val="accent1">
+                <a:shade val="50000"/>
+              </a:schemeClr>
+            </a:lnRef>
+            <a:fillRef idx="1">
+              <a:schemeClr val="accent1"/>
+            </a:fillRef>
+            <a:effectRef idx="0">
+              <a:schemeClr val="accent1"/>
+            </a:effectRef>
+            <a:fontRef idx="minor">
+              <a:schemeClr val="lt1"/>
+            </a:fontRef>
+          </p:style>
+          <p:txBody>
+            <a:bodyPr rtlCol="0" anchor="ctr"/>
+            <a:lstStyle/>
+            <a:p>
+              <a:r>
+                <a:rPr lang="en-US" dirty="0">
+                  <a:latin typeface="Avenir Book" panose="02000503020000020003" pitchFamily="2" charset="0"/>
+                </a:rPr>
+                <a:t>    Outgoing Matches      3</a:t>
+              </a:r>
+              <a:endParaRPr lang="en-US" dirty="0"/>
+            </a:p>
+          </p:txBody>
+        </p:sp>
+        <p:sp>
+          <p:nvSpPr>
+            <p:cNvPr id="25" name="Rounded Rectangle 24">
+              <a:extLst>
+                <a:ext uri="{FF2B5EF4-FFF2-40B4-BE49-F238E27FC236}">
+                  <a16:creationId xmlns:a16="http://schemas.microsoft.com/office/drawing/2014/main" id="{0EC9F607-46D0-D246-9610-7BF0F0C7B0E5}"/>
+                </a:ext>
+              </a:extLst>
+            </p:cNvPr>
+            <p:cNvSpPr/>
+            <p:nvPr/>
+          </p:nvSpPr>
+          <p:spPr>
+            <a:xfrm>
+              <a:off x="1937142" y="5831352"/>
+              <a:ext cx="2962849" cy="369319"/>
+            </a:xfrm>
+            <a:prstGeom prst="roundRect">
+              <a:avLst/>
+            </a:prstGeom>
+            <a:gradFill>
+              <a:gsLst>
+                <a:gs pos="0">
+                  <a:srgbClr val="EC6F66">
+                    <a:lumMod val="49000"/>
+                    <a:lumOff val="51000"/>
+                  </a:srgbClr>
+                </a:gs>
+                <a:gs pos="79000">
+                  <a:srgbClr val="F3A183">
+                    <a:lumMod val="80827"/>
+                    <a:lumOff val="19173"/>
+                  </a:srgbClr>
+                </a:gs>
+              </a:gsLst>
+              <a:lin ang="2700000" scaled="1"/>
+            </a:gradFill>
+            <a:ln>
+              <a:noFill/>
+            </a:ln>
+          </p:spPr>
+          <p:style>
+            <a:lnRef idx="2">
+              <a:schemeClr val="accent1">
+                <a:shade val="50000"/>
+              </a:schemeClr>
+            </a:lnRef>
+            <a:fillRef idx="1">
+              <a:schemeClr val="accent1"/>
+            </a:fillRef>
+            <a:effectRef idx="0">
+              <a:schemeClr val="accent1"/>
+            </a:effectRef>
+            <a:fontRef idx="minor">
+              <a:schemeClr val="lt1"/>
+            </a:fontRef>
+          </p:style>
+          <p:txBody>
+            <a:bodyPr rtlCol="0" anchor="ctr"/>
+            <a:lstStyle/>
+            <a:p>
+              <a:r>
+                <a:rPr lang="en-US" dirty="0">
+                  <a:latin typeface="Avenir Book" panose="02000503020000020003" pitchFamily="2" charset="0"/>
+                </a:rPr>
+                <a:t>    Incoming Matches       2</a:t>
+              </a:r>
+              <a:endParaRPr lang="en-US" dirty="0"/>
+            </a:p>
+          </p:txBody>
+        </p:sp>
+        <p:pic>
+          <p:nvPicPr>
+            <p:cNvPr id="3082" name="Picture 10">
+              <a:extLst>
+                <a:ext uri="{FF2B5EF4-FFF2-40B4-BE49-F238E27FC236}">
+                  <a16:creationId xmlns:a16="http://schemas.microsoft.com/office/drawing/2014/main" id="{31558C89-AFBD-7540-9665-DA45F82DADD4}"/>
+                </a:ext>
+              </a:extLst>
+            </p:cNvPr>
+            <p:cNvPicPr>
+              <a:picLocks noChangeAspect="1" noChangeArrowheads="1"/>
+            </p:cNvPicPr>
+            <p:nvPr/>
+          </p:nvPicPr>
+          <p:blipFill>
+            <a:blip r:embed="rId6">
+              <a:extLst>
+                <a:ext uri="{28A0092B-C50C-407E-A947-70E740481C1C}">
+                  <a14:useLocalDpi xmlns:a14="http://schemas.microsoft.com/office/drawing/2010/main" val="0"/>
+                </a:ext>
+              </a:extLst>
+            </a:blip>
+            <a:srcRect/>
+            <a:stretch>
+              <a:fillRect/>
+            </a:stretch>
+          </p:blipFill>
+          <p:spPr bwMode="auto">
+            <a:xfrm>
+              <a:off x="2017643" y="4974159"/>
+              <a:ext cx="263109" cy="263109"/>
             </a:xfrm>
             <a:prstGeom prst="rect">
               <a:avLst/>
             </a:prstGeom>
             <a:noFill/>
+            <a:extLst>
+              <a:ext uri="{909E8E84-426E-40DD-AFC4-6F175D3DCCD1}">
+                <a14:hiddenFill xmlns:a14="http://schemas.microsoft.com/office/drawing/2010/main">
+                  <a:solidFill>
+                    <a:srgbClr val="FFFFFF"/>
+                  </a:solidFill>
+                </a14:hiddenFill>
+              </a:ext>
+            </a:extLst>
           </p:spPr>
+        </p:pic>
+        <p:sp>
+          <p:nvSpPr>
+            <p:cNvPr id="27" name="Up Arrow 26">
+              <a:extLst>
+                <a:ext uri="{FF2B5EF4-FFF2-40B4-BE49-F238E27FC236}">
+                  <a16:creationId xmlns:a16="http://schemas.microsoft.com/office/drawing/2014/main" id="{4498D27A-BE08-2346-89A9-0DBE863E5D87}"/>
+                </a:ext>
+              </a:extLst>
+            </p:cNvPr>
+            <p:cNvSpPr/>
+            <p:nvPr/>
+          </p:nvSpPr>
+          <p:spPr>
+            <a:xfrm>
+              <a:off x="2017643" y="5462082"/>
+              <a:ext cx="214382" cy="231962"/>
+            </a:xfrm>
+            <a:prstGeom prst="upArrow">
+              <a:avLst/>
+            </a:prstGeom>
+            <a:solidFill>
+              <a:schemeClr val="bg1"/>
+            </a:solidFill>
+            <a:ln>
+              <a:solidFill>
+                <a:srgbClr val="EC6F66"/>
+              </a:solidFill>
+            </a:ln>
+          </p:spPr>
+          <p:style>
+            <a:lnRef idx="2">
+              <a:schemeClr val="accent1">
+                <a:shade val="50000"/>
+              </a:schemeClr>
+            </a:lnRef>
+            <a:fillRef idx="1">
+              <a:schemeClr val="accent1"/>
+            </a:fillRef>
+            <a:effectRef idx="0">
+              <a:schemeClr val="accent1"/>
+            </a:effectRef>
+            <a:fontRef idx="minor">
+              <a:schemeClr val="lt1"/>
+            </a:fontRef>
+          </p:style>
           <p:txBody>
-            <a:bodyPr wrap="square" rtlCol="0">
-              <a:spAutoFit/>
-            </a:bodyPr>
+            <a:bodyPr rtlCol="0" anchor="ctr"/>
             <a:lstStyle/>
             <a:p>
               <a:pPr algn="ctr"/>
-              <a:r>
-                <a:rPr lang="en-US" b="1" dirty="0">
-                  <a:solidFill>
-                    <a:srgbClr val="EC6F66"/>
-                  </a:solidFill>
-                  <a:latin typeface="Avenir Book" panose="02000503020000020003" pitchFamily="2" charset="0"/>
-                </a:rPr>
-                <a:t>Tech News</a:t>
-              </a:r>
+              <a:endParaRPr lang="en-US"/>
             </a:p>
           </p:txBody>
         </p:sp>
+        <p:sp>
+          <p:nvSpPr>
+            <p:cNvPr id="35" name="Up Arrow 34">
+              <a:extLst>
+                <a:ext uri="{FF2B5EF4-FFF2-40B4-BE49-F238E27FC236}">
+                  <a16:creationId xmlns:a16="http://schemas.microsoft.com/office/drawing/2014/main" id="{4215D537-54DE-8D48-803B-953A6CDA6F99}"/>
+                </a:ext>
+              </a:extLst>
+            </p:cNvPr>
+            <p:cNvSpPr/>
+            <p:nvPr/>
+          </p:nvSpPr>
+          <p:spPr>
+            <a:xfrm rot="10800000">
+              <a:off x="2017643" y="5900030"/>
+              <a:ext cx="214382" cy="231962"/>
+            </a:xfrm>
+            <a:prstGeom prst="upArrow">
+              <a:avLst/>
+            </a:prstGeom>
+            <a:solidFill>
+              <a:schemeClr val="bg1"/>
+            </a:solidFill>
+            <a:ln>
+              <a:solidFill>
+                <a:srgbClr val="00B050"/>
+              </a:solidFill>
+            </a:ln>
+          </p:spPr>
+          <p:style>
+            <a:lnRef idx="2">
+              <a:schemeClr val="accent1">
+                <a:shade val="50000"/>
+              </a:schemeClr>
+            </a:lnRef>
+            <a:fillRef idx="1">
+              <a:schemeClr val="accent1"/>
+            </a:fillRef>
+            <a:effectRef idx="0">
+              <a:schemeClr val="accent1"/>
+            </a:effectRef>
+            <a:fontRef idx="minor">
+              <a:schemeClr val="lt1"/>
+            </a:fontRef>
+          </p:style>
+          <p:txBody>
+            <a:bodyPr rtlCol="0" anchor="ctr"/>
+            <a:lstStyle/>
+            <a:p>
+              <a:pPr algn="ctr"/>
+              <a:endParaRPr lang="en-US"/>
+            </a:p>
+          </p:txBody>
+        </p:sp>
+        <p:grpSp>
+          <p:nvGrpSpPr>
+            <p:cNvPr id="34" name="Group 33">
+              <a:extLst>
+                <a:ext uri="{FF2B5EF4-FFF2-40B4-BE49-F238E27FC236}">
+                  <a16:creationId xmlns:a16="http://schemas.microsoft.com/office/drawing/2014/main" id="{A0CF9C1A-FEA1-454B-9151-B2E2139C4C69}"/>
+                </a:ext>
+              </a:extLst>
+            </p:cNvPr>
+            <p:cNvGrpSpPr/>
+            <p:nvPr/>
+          </p:nvGrpSpPr>
+          <p:grpSpPr>
+            <a:xfrm>
+              <a:off x="1829952" y="6691167"/>
+              <a:ext cx="3141397" cy="541036"/>
+              <a:chOff x="1829952" y="6691167"/>
+              <a:chExt cx="3141397" cy="541036"/>
+            </a:xfrm>
+          </p:grpSpPr>
+          <p:sp>
+            <p:nvSpPr>
+              <p:cNvPr id="37" name="Rounded Rectangle 36">
+                <a:extLst>
+                  <a:ext uri="{FF2B5EF4-FFF2-40B4-BE49-F238E27FC236}">
+                    <a16:creationId xmlns:a16="http://schemas.microsoft.com/office/drawing/2014/main" id="{EF53D0D5-1A15-6244-996C-30D904CC3CB9}"/>
+                  </a:ext>
+                </a:extLst>
+              </p:cNvPr>
+              <p:cNvSpPr/>
+              <p:nvPr/>
+            </p:nvSpPr>
+            <p:spPr>
+              <a:xfrm>
+                <a:off x="1829952" y="6691167"/>
+                <a:ext cx="3141397" cy="541036"/>
+              </a:xfrm>
+              <a:prstGeom prst="roundRect">
+                <a:avLst/>
+              </a:prstGeom>
+              <a:solidFill>
+                <a:schemeClr val="bg1"/>
+              </a:solidFill>
+              <a:ln>
+                <a:noFill/>
+              </a:ln>
+            </p:spPr>
+            <p:style>
+              <a:lnRef idx="2">
+                <a:schemeClr val="accent1">
+                  <a:shade val="50000"/>
+                </a:schemeClr>
+              </a:lnRef>
+              <a:fillRef idx="1">
+                <a:schemeClr val="accent1"/>
+              </a:fillRef>
+              <a:effectRef idx="0">
+                <a:schemeClr val="accent1"/>
+              </a:effectRef>
+              <a:fontRef idx="minor">
+                <a:schemeClr val="lt1"/>
+              </a:fontRef>
+            </p:style>
+            <p:txBody>
+              <a:bodyPr rtlCol="0" anchor="ctr"/>
+              <a:lstStyle/>
+              <a:p>
+                <a:pPr algn="ctr"/>
+                <a:endParaRPr lang="en-US"/>
+              </a:p>
+            </p:txBody>
+          </p:sp>
+          <p:sp>
+            <p:nvSpPr>
+              <p:cNvPr id="38" name="TextBox 37">
+                <a:extLst>
+                  <a:ext uri="{FF2B5EF4-FFF2-40B4-BE49-F238E27FC236}">
+                    <a16:creationId xmlns:a16="http://schemas.microsoft.com/office/drawing/2014/main" id="{4EF98820-850C-B441-B3C7-6185123156BC}"/>
+                  </a:ext>
+                </a:extLst>
+              </p:cNvPr>
+              <p:cNvSpPr txBox="1"/>
+              <p:nvPr/>
+            </p:nvSpPr>
+            <p:spPr>
+              <a:xfrm>
+                <a:off x="1880450" y="6779765"/>
+                <a:ext cx="3090899" cy="369332"/>
+              </a:xfrm>
+              <a:prstGeom prst="rect">
+                <a:avLst/>
+              </a:prstGeom>
+              <a:noFill/>
+            </p:spPr>
+            <p:txBody>
+              <a:bodyPr wrap="square" rtlCol="0">
+                <a:spAutoFit/>
+              </a:bodyPr>
+              <a:lstStyle/>
+              <a:p>
+                <a:r>
+                  <a:rPr lang="en-US" b="1" dirty="0">
+                    <a:solidFill>
+                      <a:srgbClr val="EC6F66"/>
+                    </a:solidFill>
+                    <a:latin typeface="Avenir Book" panose="02000503020000020003" pitchFamily="2" charset="0"/>
+                  </a:rPr>
+                  <a:t>People</a:t>
+                </a:r>
+              </a:p>
+            </p:txBody>
+          </p:sp>
+          <p:cxnSp>
+            <p:nvCxnSpPr>
+              <p:cNvPr id="40" name="Straight Connector 39">
+                <a:extLst>
+                  <a:ext uri="{FF2B5EF4-FFF2-40B4-BE49-F238E27FC236}">
+                    <a16:creationId xmlns:a16="http://schemas.microsoft.com/office/drawing/2014/main" id="{67F2782D-2928-CA43-BF6A-98BA766DB0BF}"/>
+                  </a:ext>
+                </a:extLst>
+              </p:cNvPr>
+              <p:cNvCxnSpPr>
+                <a:cxnSpLocks/>
+              </p:cNvCxnSpPr>
+              <p:nvPr/>
+            </p:nvCxnSpPr>
+            <p:spPr>
+              <a:xfrm>
+                <a:off x="1947572" y="7121916"/>
+                <a:ext cx="2773018" cy="0"/>
+              </a:xfrm>
+              <a:prstGeom prst="line">
+                <a:avLst/>
+              </a:prstGeom>
+            </p:spPr>
+            <p:style>
+              <a:lnRef idx="1">
+                <a:schemeClr val="accent3"/>
+              </a:lnRef>
+              <a:fillRef idx="0">
+                <a:schemeClr val="accent3"/>
+              </a:fillRef>
+              <a:effectRef idx="0">
+                <a:schemeClr val="accent3"/>
+              </a:effectRef>
+              <a:fontRef idx="minor">
+                <a:schemeClr val="tx1"/>
+              </a:fontRef>
+            </p:style>
+          </p:cxnSp>
+        </p:grpSp>
+        <p:grpSp>
+          <p:nvGrpSpPr>
+            <p:cNvPr id="32" name="Group 31">
+              <a:extLst>
+                <a:ext uri="{FF2B5EF4-FFF2-40B4-BE49-F238E27FC236}">
+                  <a16:creationId xmlns:a16="http://schemas.microsoft.com/office/drawing/2014/main" id="{2C21DC7C-2850-FC40-9568-E98F83C1E8DA}"/>
+                </a:ext>
+              </a:extLst>
+            </p:cNvPr>
+            <p:cNvGrpSpPr/>
+            <p:nvPr/>
+          </p:nvGrpSpPr>
+          <p:grpSpPr>
+            <a:xfrm>
+              <a:off x="1829952" y="7320615"/>
+              <a:ext cx="2742047" cy="1856379"/>
+              <a:chOff x="1829952" y="7320615"/>
+              <a:chExt cx="2742047" cy="1856379"/>
+            </a:xfrm>
+          </p:grpSpPr>
+          <p:sp>
+            <p:nvSpPr>
+              <p:cNvPr id="36" name="Rounded Rectangle 35">
+                <a:extLst>
+                  <a:ext uri="{FF2B5EF4-FFF2-40B4-BE49-F238E27FC236}">
+                    <a16:creationId xmlns:a16="http://schemas.microsoft.com/office/drawing/2014/main" id="{F9857EB8-2023-B647-833D-D343A400CE7D}"/>
+                  </a:ext>
+                </a:extLst>
+              </p:cNvPr>
+              <p:cNvSpPr/>
+              <p:nvPr/>
+            </p:nvSpPr>
+            <p:spPr>
+              <a:xfrm>
+                <a:off x="1829952" y="7320615"/>
+                <a:ext cx="2742047" cy="1856379"/>
+              </a:xfrm>
+              <a:prstGeom prst="roundRect">
+                <a:avLst/>
+              </a:prstGeom>
+              <a:solidFill>
+                <a:schemeClr val="bg1"/>
+              </a:solidFill>
+              <a:ln>
+                <a:noFill/>
+              </a:ln>
+            </p:spPr>
+            <p:style>
+              <a:lnRef idx="2">
+                <a:schemeClr val="accent1">
+                  <a:shade val="50000"/>
+                </a:schemeClr>
+              </a:lnRef>
+              <a:fillRef idx="1">
+                <a:schemeClr val="accent1"/>
+              </a:fillRef>
+              <a:effectRef idx="0">
+                <a:schemeClr val="accent1"/>
+              </a:effectRef>
+              <a:fontRef idx="minor">
+                <a:schemeClr val="lt1"/>
+              </a:fontRef>
+            </p:style>
+            <p:txBody>
+              <a:bodyPr rtlCol="0" anchor="ctr"/>
+              <a:lstStyle/>
+              <a:p>
+                <a:pPr algn="ctr"/>
+                <a:endParaRPr lang="en-US"/>
+              </a:p>
+            </p:txBody>
+          </p:sp>
+          <p:grpSp>
+            <p:nvGrpSpPr>
+              <p:cNvPr id="43" name="Group 42">
+                <a:extLst>
+                  <a:ext uri="{FF2B5EF4-FFF2-40B4-BE49-F238E27FC236}">
+                    <a16:creationId xmlns:a16="http://schemas.microsoft.com/office/drawing/2014/main" id="{50FD450D-E3BF-1C41-87B6-56C9AADA0870}"/>
+                  </a:ext>
+                </a:extLst>
+              </p:cNvPr>
+              <p:cNvGrpSpPr/>
+              <p:nvPr/>
+            </p:nvGrpSpPr>
+            <p:grpSpPr>
+              <a:xfrm>
+                <a:off x="1947572" y="7804534"/>
+                <a:ext cx="1235466" cy="1235466"/>
+                <a:chOff x="2528664" y="2286644"/>
+                <a:chExt cx="1800665" cy="1800664"/>
+              </a:xfrm>
+            </p:grpSpPr>
+            <p:sp>
+              <p:nvSpPr>
+                <p:cNvPr id="44" name="Oval 43">
+                  <a:extLst>
+                    <a:ext uri="{FF2B5EF4-FFF2-40B4-BE49-F238E27FC236}">
+                      <a16:creationId xmlns:a16="http://schemas.microsoft.com/office/drawing/2014/main" id="{99615C75-1952-4A45-B031-9C23C1DA719B}"/>
+                    </a:ext>
+                  </a:extLst>
+                </p:cNvPr>
+                <p:cNvSpPr/>
+                <p:nvPr/>
+              </p:nvSpPr>
+              <p:spPr>
+                <a:xfrm>
+                  <a:off x="2528664" y="2286644"/>
+                  <a:ext cx="1800665" cy="1800664"/>
+                </a:xfrm>
+                <a:prstGeom prst="ellipse">
+                  <a:avLst/>
+                </a:prstGeom>
+                <a:gradFill>
+                  <a:gsLst>
+                    <a:gs pos="0">
+                      <a:srgbClr val="EC6F66"/>
+                    </a:gs>
+                    <a:gs pos="79000">
+                      <a:srgbClr val="F3A183"/>
+                    </a:gs>
+                  </a:gsLst>
+                  <a:lin ang="2700000" scaled="1"/>
+                </a:gradFill>
+                <a:ln>
+                  <a:noFill/>
+                </a:ln>
+              </p:spPr>
+              <p:style>
+                <a:lnRef idx="2">
+                  <a:schemeClr val="accent1">
+                    <a:shade val="50000"/>
+                  </a:schemeClr>
+                </a:lnRef>
+                <a:fillRef idx="1">
+                  <a:schemeClr val="accent1"/>
+                </a:fillRef>
+                <a:effectRef idx="0">
+                  <a:schemeClr val="accent1"/>
+                </a:effectRef>
+                <a:fontRef idx="minor">
+                  <a:schemeClr val="lt1"/>
+                </a:fontRef>
+              </p:style>
+              <p:txBody>
+                <a:bodyPr rtlCol="0" anchor="ctr"/>
+                <a:lstStyle/>
+                <a:p>
+                  <a:pPr algn="ctr"/>
+                  <a:endParaRPr lang="en-US"/>
+                </a:p>
+              </p:txBody>
+            </p:sp>
+            <p:pic>
+              <p:nvPicPr>
+                <p:cNvPr id="45" name="Picture 4" descr="User Profile PNG Free Download | PNG All">
+                  <a:extLst>
+                    <a:ext uri="{FF2B5EF4-FFF2-40B4-BE49-F238E27FC236}">
+                      <a16:creationId xmlns:a16="http://schemas.microsoft.com/office/drawing/2014/main" id="{E58B4A1D-C8D1-6F46-B494-645FCFA34C4D}"/>
+                    </a:ext>
+                  </a:extLst>
+                </p:cNvPr>
+                <p:cNvPicPr>
+                  <a:picLocks noChangeAspect="1" noChangeArrowheads="1"/>
+                </p:cNvPicPr>
+                <p:nvPr/>
+              </p:nvPicPr>
+              <p:blipFill>
+                <a:blip r:embed="rId5">
+                  <a:extLst>
+                    <a:ext uri="{28A0092B-C50C-407E-A947-70E740481C1C}">
+                      <a14:useLocalDpi xmlns:a14="http://schemas.microsoft.com/office/drawing/2010/main" val="0"/>
+                    </a:ext>
+                  </a:extLst>
+                </a:blip>
+                <a:srcRect/>
+                <a:stretch>
+                  <a:fillRect/>
+                </a:stretch>
+              </p:blipFill>
+              <p:spPr bwMode="auto">
+                <a:xfrm>
+                  <a:off x="2807689" y="2489111"/>
+                  <a:ext cx="1242614" cy="1289212"/>
+                </a:xfrm>
+                <a:prstGeom prst="rect">
+                  <a:avLst/>
+                </a:prstGeom>
+                <a:noFill/>
+                <a:extLst>
+                  <a:ext uri="{909E8E84-426E-40DD-AFC4-6F175D3DCCD1}">
+                    <a14:hiddenFill xmlns:a14="http://schemas.microsoft.com/office/drawing/2010/main">
+                      <a:solidFill>
+                        <a:srgbClr val="FFFFFF"/>
+                      </a:solidFill>
+                    </a14:hiddenFill>
+                  </a:ext>
+                </a:extLst>
+              </p:spPr>
+            </p:pic>
+          </p:grpSp>
+          <p:sp>
+            <p:nvSpPr>
+              <p:cNvPr id="46" name="TextBox 45">
+                <a:extLst>
+                  <a:ext uri="{FF2B5EF4-FFF2-40B4-BE49-F238E27FC236}">
+                    <a16:creationId xmlns:a16="http://schemas.microsoft.com/office/drawing/2014/main" id="{2D3FD4DB-6C67-8C41-A527-FD3E2485E7FE}"/>
+                  </a:ext>
+                </a:extLst>
+              </p:cNvPr>
+              <p:cNvSpPr txBox="1"/>
+              <p:nvPr/>
+            </p:nvSpPr>
+            <p:spPr>
+              <a:xfrm>
+                <a:off x="1947572" y="7384206"/>
+                <a:ext cx="2612628" cy="369332"/>
+              </a:xfrm>
+              <a:prstGeom prst="rect">
+                <a:avLst/>
+              </a:prstGeom>
+              <a:noFill/>
+            </p:spPr>
+            <p:txBody>
+              <a:bodyPr wrap="square" rtlCol="0">
+                <a:spAutoFit/>
+              </a:bodyPr>
+              <a:lstStyle/>
+              <a:p>
+                <a:r>
+                  <a:rPr lang="en-US" b="1" dirty="0">
+                    <a:solidFill>
+                      <a:srgbClr val="EC6F66"/>
+                    </a:solidFill>
+                    <a:latin typeface="Avenir Book" panose="02000503020000020003" pitchFamily="2" charset="0"/>
+                  </a:rPr>
+                  <a:t>John Doe</a:t>
+                </a:r>
+              </a:p>
+            </p:txBody>
+          </p:sp>
+          <p:cxnSp>
+            <p:nvCxnSpPr>
+              <p:cNvPr id="47" name="Straight Connector 46">
+                <a:extLst>
+                  <a:ext uri="{FF2B5EF4-FFF2-40B4-BE49-F238E27FC236}">
+                    <a16:creationId xmlns:a16="http://schemas.microsoft.com/office/drawing/2014/main" id="{B610733B-2418-9949-832D-065247EB4B98}"/>
+                  </a:ext>
+                </a:extLst>
+              </p:cNvPr>
+              <p:cNvCxnSpPr>
+                <a:cxnSpLocks/>
+              </p:cNvCxnSpPr>
+              <p:nvPr/>
+            </p:nvCxnSpPr>
+            <p:spPr>
+              <a:xfrm>
+                <a:off x="2006588" y="7731064"/>
+                <a:ext cx="2352237" cy="386"/>
+              </a:xfrm>
+              <a:prstGeom prst="line">
+                <a:avLst/>
+              </a:prstGeom>
+            </p:spPr>
+            <p:style>
+              <a:lnRef idx="1">
+                <a:schemeClr val="accent3"/>
+              </a:lnRef>
+              <a:fillRef idx="0">
+                <a:schemeClr val="accent3"/>
+              </a:fillRef>
+              <a:effectRef idx="0">
+                <a:schemeClr val="accent3"/>
+              </a:effectRef>
+              <a:fontRef idx="minor">
+                <a:schemeClr val="tx1"/>
+              </a:fontRef>
+            </p:style>
+          </p:cxnSp>
+          <p:sp>
+            <p:nvSpPr>
+              <p:cNvPr id="51" name="TextBox 50">
+                <a:extLst>
+                  <a:ext uri="{FF2B5EF4-FFF2-40B4-BE49-F238E27FC236}">
+                    <a16:creationId xmlns:a16="http://schemas.microsoft.com/office/drawing/2014/main" id="{959F4AA3-25F2-3142-8AA8-4F516929FC70}"/>
+                  </a:ext>
+                </a:extLst>
+              </p:cNvPr>
+              <p:cNvSpPr txBox="1"/>
+              <p:nvPr/>
+            </p:nvSpPr>
+            <p:spPr>
+              <a:xfrm>
+                <a:off x="3177661" y="8237601"/>
+                <a:ext cx="1377494" cy="369332"/>
+              </a:xfrm>
+              <a:prstGeom prst="rect">
+                <a:avLst/>
+              </a:prstGeom>
+              <a:noFill/>
+            </p:spPr>
+            <p:txBody>
+              <a:bodyPr wrap="square" rtlCol="0">
+                <a:spAutoFit/>
+              </a:bodyPr>
+              <a:lstStyle/>
+              <a:p>
+                <a:pPr algn="ctr"/>
+                <a:r>
+                  <a:rPr lang="en-US" b="1" dirty="0">
+                    <a:solidFill>
+                      <a:srgbClr val="EC6F66"/>
+                    </a:solidFill>
+                    <a:latin typeface="Avenir Book" panose="02000503020000020003" pitchFamily="2" charset="0"/>
+                  </a:rPr>
+                  <a:t>Tech News</a:t>
+                </a:r>
+              </a:p>
+            </p:txBody>
+          </p:sp>
+        </p:grpSp>
       </p:grpSp>
       <p:sp>
         <p:nvSpPr>
